--- a/BankFinal.pptx
+++ b/BankFinal.pptx
@@ -8,6 +8,9 @@
     <p:sldId id="256" r:id="rId2"/>
     <p:sldId id="257" r:id="rId3"/>
     <p:sldId id="258" r:id="rId4"/>
+    <p:sldId id="259" r:id="rId5"/>
+    <p:sldId id="260" r:id="rId6"/>
+    <p:sldId id="262" r:id="rId7"/>
   </p:sldIdLst>
   <p:sldSz cx="12192000" cy="6858000"/>
   <p:notesSz cx="6858000" cy="9144000"/>
@@ -106,6 +109,11 @@
       </a:defRPr>
     </a:lvl9pPr>
   </p:defaultTextStyle>
+  <p:extLst>
+    <p:ext uri="{EFAFB233-063F-42B5-8137-9DF3F51BA10A}">
+      <p15:sldGuideLst xmlns:p15="http://schemas.microsoft.com/office/powerpoint/2012/main"/>
+    </p:ext>
+  </p:extLst>
 </p:presentation>
 </file>
 
@@ -280,7 +288,7 @@
           <a:p>
             <a:fld id="{C9E40452-9F23-4FB6-99B5-E2851CD6035C}" type="datetimeFigureOut">
               <a:rPr lang="en-US" smtClean="0"/>
-              <a:t>1/13/2020</a:t>
+              <a:t>1/14/2020</a:t>
             </a:fld>
             <a:endParaRPr lang="en-US"/>
           </a:p>
@@ -595,7 +603,7 @@
           <a:p>
             <a:fld id="{C9E40452-9F23-4FB6-99B5-E2851CD6035C}" type="datetimeFigureOut">
               <a:rPr lang="en-US" smtClean="0"/>
-              <a:t>1/13/2020</a:t>
+              <a:t>1/14/2020</a:t>
             </a:fld>
             <a:endParaRPr lang="en-US"/>
           </a:p>
@@ -817,7 +825,7 @@
           <a:p>
             <a:fld id="{C9E40452-9F23-4FB6-99B5-E2851CD6035C}" type="datetimeFigureOut">
               <a:rPr lang="en-US" smtClean="0"/>
-              <a:t>1/13/2020</a:t>
+              <a:t>1/14/2020</a:t>
             </a:fld>
             <a:endParaRPr lang="en-US"/>
           </a:p>
@@ -1108,7 +1116,7 @@
           <a:p>
             <a:fld id="{C9E40452-9F23-4FB6-99B5-E2851CD6035C}" type="datetimeFigureOut">
               <a:rPr lang="en-US" smtClean="0"/>
-              <a:t>1/13/2020</a:t>
+              <a:t>1/14/2020</a:t>
             </a:fld>
             <a:endParaRPr lang="en-US"/>
           </a:p>
@@ -1562,7 +1570,7 @@
           <a:p>
             <a:fld id="{C9E40452-9F23-4FB6-99B5-E2851CD6035C}" type="datetimeFigureOut">
               <a:rPr lang="en-US" smtClean="0"/>
-              <a:t>1/13/2020</a:t>
+              <a:t>1/14/2020</a:t>
             </a:fld>
             <a:endParaRPr lang="en-US"/>
           </a:p>
@@ -2138,7 +2146,7 @@
           <a:p>
             <a:fld id="{C9E40452-9F23-4FB6-99B5-E2851CD6035C}" type="datetimeFigureOut">
               <a:rPr lang="en-US" smtClean="0"/>
-              <a:t>1/13/2020</a:t>
+              <a:t>1/14/2020</a:t>
             </a:fld>
             <a:endParaRPr lang="en-US"/>
           </a:p>
@@ -2999,7 +3007,7 @@
           <a:p>
             <a:fld id="{C9E40452-9F23-4FB6-99B5-E2851CD6035C}" type="datetimeFigureOut">
               <a:rPr lang="en-US" smtClean="0"/>
-              <a:t>1/13/2020</a:t>
+              <a:t>1/14/2020</a:t>
             </a:fld>
             <a:endParaRPr lang="en-US"/>
           </a:p>
@@ -3204,7 +3212,7 @@
           <a:p>
             <a:fld id="{C9E40452-9F23-4FB6-99B5-E2851CD6035C}" type="datetimeFigureOut">
               <a:rPr lang="en-US" smtClean="0"/>
-              <a:t>1/13/2020</a:t>
+              <a:t>1/14/2020</a:t>
             </a:fld>
             <a:endParaRPr lang="en-US"/>
           </a:p>
@@ -3418,7 +3426,7 @@
           <a:p>
             <a:fld id="{C9E40452-9F23-4FB6-99B5-E2851CD6035C}" type="datetimeFigureOut">
               <a:rPr lang="en-US" smtClean="0"/>
-              <a:t>1/13/2020</a:t>
+              <a:t>1/14/2020</a:t>
             </a:fld>
             <a:endParaRPr lang="en-US"/>
           </a:p>
@@ -3623,7 +3631,7 @@
           <a:p>
             <a:fld id="{C9E40452-9F23-4FB6-99B5-E2851CD6035C}" type="datetimeFigureOut">
               <a:rPr lang="en-US" smtClean="0"/>
-              <a:t>1/13/2020</a:t>
+              <a:t>1/14/2020</a:t>
             </a:fld>
             <a:endParaRPr lang="en-US"/>
           </a:p>
@@ -3903,7 +3911,7 @@
           <a:p>
             <a:fld id="{C9E40452-9F23-4FB6-99B5-E2851CD6035C}" type="datetimeFigureOut">
               <a:rPr lang="en-US" smtClean="0"/>
-              <a:t>1/13/2020</a:t>
+              <a:t>1/14/2020</a:t>
             </a:fld>
             <a:endParaRPr lang="en-US"/>
           </a:p>
@@ -4170,7 +4178,7 @@
           <a:p>
             <a:fld id="{C9E40452-9F23-4FB6-99B5-E2851CD6035C}" type="datetimeFigureOut">
               <a:rPr lang="en-US" smtClean="0"/>
-              <a:t>1/13/2020</a:t>
+              <a:t>1/14/2020</a:t>
             </a:fld>
             <a:endParaRPr lang="en-US"/>
           </a:p>
@@ -4585,7 +4593,7 @@
           <a:p>
             <a:fld id="{C9E40452-9F23-4FB6-99B5-E2851CD6035C}" type="datetimeFigureOut">
               <a:rPr lang="en-US" smtClean="0"/>
-              <a:t>1/13/2020</a:t>
+              <a:t>1/14/2020</a:t>
             </a:fld>
             <a:endParaRPr lang="en-US"/>
           </a:p>
@@ -4733,7 +4741,7 @@
           <a:p>
             <a:fld id="{C9E40452-9F23-4FB6-99B5-E2851CD6035C}" type="datetimeFigureOut">
               <a:rPr lang="en-US" smtClean="0"/>
-              <a:t>1/13/2020</a:t>
+              <a:t>1/14/2020</a:t>
             </a:fld>
             <a:endParaRPr lang="en-US"/>
           </a:p>
@@ -4858,7 +4866,7 @@
           <a:p>
             <a:fld id="{C9E40452-9F23-4FB6-99B5-E2851CD6035C}" type="datetimeFigureOut">
               <a:rPr lang="en-US" smtClean="0"/>
-              <a:t>1/13/2020</a:t>
+              <a:t>1/14/2020</a:t>
             </a:fld>
             <a:endParaRPr lang="en-US"/>
           </a:p>
@@ -5137,7 +5145,7 @@
           <a:p>
             <a:fld id="{C9E40452-9F23-4FB6-99B5-E2851CD6035C}" type="datetimeFigureOut">
               <a:rPr lang="en-US" smtClean="0"/>
-              <a:t>1/13/2020</a:t>
+              <a:t>1/14/2020</a:t>
             </a:fld>
             <a:endParaRPr lang="en-US"/>
           </a:p>
@@ -5452,7 +5460,7 @@
           <a:p>
             <a:fld id="{C9E40452-9F23-4FB6-99B5-E2851CD6035C}" type="datetimeFigureOut">
               <a:rPr lang="en-US" smtClean="0"/>
-              <a:t>1/13/2020</a:t>
+              <a:t>1/14/2020</a:t>
             </a:fld>
             <a:endParaRPr lang="en-US"/>
           </a:p>
@@ -5705,7 +5713,7 @@
           <a:p>
             <a:fld id="{C9E40452-9F23-4FB6-99B5-E2851CD6035C}" type="datetimeFigureOut">
               <a:rPr lang="en-US" smtClean="0"/>
-              <a:t>1/13/2020</a:t>
+              <a:t>1/14/2020</a:t>
             </a:fld>
             <a:endParaRPr lang="en-US"/>
           </a:p>
@@ -6476,11 +6484,18 @@
           </a:p>
           <a:p>
             <a:r>
-              <a:rPr lang="en-US" sz="3200" smtClean="0">
+              <a:rPr lang="en-US" sz="3200" dirty="0" smtClean="0">
                 <a:latin typeface="Aharoni" panose="02010803020104030203" pitchFamily="2" charset="-79"/>
                 <a:cs typeface="Aharoni" panose="02010803020104030203" pitchFamily="2" charset="-79"/>
               </a:rPr>
-              <a:t>		Shravani</a:t>
+              <a:t>		</a:t>
+            </a:r>
+            <a:r>
+              <a:rPr lang="en-US" sz="3200" dirty="0" err="1" smtClean="0">
+                <a:latin typeface="Aharoni" panose="02010803020104030203" pitchFamily="2" charset="-79"/>
+                <a:cs typeface="Aharoni" panose="02010803020104030203" pitchFamily="2" charset="-79"/>
+              </a:rPr>
+              <a:t>Shravani</a:t>
             </a:r>
             <a:r>
               <a:rPr lang="en-US" sz="3200" dirty="0" smtClean="0">
@@ -6687,8 +6702,8 @@
         </p:nvSpPr>
         <p:spPr>
           <a:xfrm>
-            <a:off x="1081825" y="257576"/>
-            <a:ext cx="10831132" cy="4708981"/>
+            <a:off x="1" y="0"/>
+            <a:ext cx="10251582" cy="4093428"/>
           </a:xfrm>
           <a:prstGeom prst="rect">
             <a:avLst/>
@@ -6706,7 +6721,14 @@
                 <a:latin typeface="Aharoni" panose="02010803020104030203" pitchFamily="2" charset="-79"/>
                 <a:cs typeface="Aharoni" panose="02010803020104030203" pitchFamily="2" charset="-79"/>
               </a:rPr>
-              <a:t>Problem statement</a:t>
+              <a:t>	Problem </a:t>
+            </a:r>
+            <a:r>
+              <a:rPr lang="en-US" sz="6000" dirty="0" smtClean="0">
+                <a:latin typeface="Aharoni" panose="02010803020104030203" pitchFamily="2" charset="-79"/>
+                <a:cs typeface="Aharoni" panose="02010803020104030203" pitchFamily="2" charset="-79"/>
+              </a:rPr>
+              <a:t>statement</a:t>
             </a:r>
             <a:endParaRPr lang="en-US" sz="4000" dirty="0" smtClean="0">
               <a:latin typeface="Aharoni" panose="02010803020104030203" pitchFamily="2" charset="-79"/>
@@ -6714,18 +6736,151 @@
             </a:endParaRPr>
           </a:p>
           <a:p>
-            <a:pPr algn="just">
-              <a:lnSpc>
-                <a:spcPct val="150000"/>
-              </a:lnSpc>
-            </a:pPr>
+            <a:pPr algn="just"/>
             <a:r>
               <a:rPr lang="en-US" sz="4000" dirty="0" smtClean="0">
                 <a:latin typeface="Times New Roman" panose="02020603050405020304" pitchFamily="18" charset="0"/>
                 <a:cs typeface="Times New Roman" panose="02020603050405020304" pitchFamily="18" charset="0"/>
               </a:rPr>
-              <a:t>The system provides the basic banking services to manage bank accounts by using the facility of debiting and crediting with the help of login Id’s and passwords. </a:t>
-            </a:r>
+              <a:t>	</a:t>
+            </a:r>
+          </a:p>
+          <a:p>
+            <a:pPr algn="just"/>
+            <a:r>
+              <a:rPr lang="en-US" sz="4000" dirty="0">
+                <a:latin typeface="Times New Roman" panose="02020603050405020304" pitchFamily="18" charset="0"/>
+                <a:cs typeface="Times New Roman" panose="02020603050405020304" pitchFamily="18" charset="0"/>
+              </a:rPr>
+              <a:t>	</a:t>
+            </a:r>
+            <a:r>
+              <a:rPr lang="en-US" sz="4000" dirty="0" smtClean="0">
+                <a:latin typeface="Times New Roman" panose="02020603050405020304" pitchFamily="18" charset="0"/>
+                <a:cs typeface="Times New Roman" panose="02020603050405020304" pitchFamily="18" charset="0"/>
+              </a:rPr>
+              <a:t>The </a:t>
+            </a:r>
+            <a:r>
+              <a:rPr lang="en-US" sz="4000" dirty="0" smtClean="0">
+                <a:latin typeface="Times New Roman" panose="02020603050405020304" pitchFamily="18" charset="0"/>
+                <a:cs typeface="Times New Roman" panose="02020603050405020304" pitchFamily="18" charset="0"/>
+              </a:rPr>
+              <a:t>system provides the basic banking </a:t>
+            </a:r>
+            <a:r>
+              <a:rPr lang="en-US" sz="4000" dirty="0" smtClean="0">
+                <a:latin typeface="Times New Roman" panose="02020603050405020304" pitchFamily="18" charset="0"/>
+                <a:cs typeface="Times New Roman" panose="02020603050405020304" pitchFamily="18" charset="0"/>
+              </a:rPr>
+              <a:t>	services </a:t>
+            </a:r>
+            <a:r>
+              <a:rPr lang="en-US" sz="4000" dirty="0" smtClean="0">
+                <a:latin typeface="Times New Roman" panose="02020603050405020304" pitchFamily="18" charset="0"/>
+                <a:cs typeface="Times New Roman" panose="02020603050405020304" pitchFamily="18" charset="0"/>
+              </a:rPr>
+              <a:t>to </a:t>
+            </a:r>
+            <a:r>
+              <a:rPr lang="en-US" sz="4000" dirty="0" smtClean="0">
+                <a:latin typeface="Times New Roman" panose="02020603050405020304" pitchFamily="18" charset="0"/>
+                <a:cs typeface="Times New Roman" panose="02020603050405020304" pitchFamily="18" charset="0"/>
+              </a:rPr>
+              <a:t>	manage </a:t>
+            </a:r>
+            <a:r>
+              <a:rPr lang="en-US" sz="4000" dirty="0" smtClean="0">
+                <a:latin typeface="Times New Roman" panose="02020603050405020304" pitchFamily="18" charset="0"/>
+                <a:cs typeface="Times New Roman" panose="02020603050405020304" pitchFamily="18" charset="0"/>
+              </a:rPr>
+              <a:t>bank accounts by </a:t>
+            </a:r>
+            <a:r>
+              <a:rPr lang="en-US" sz="4000" dirty="0" smtClean="0">
+                <a:latin typeface="Times New Roman" panose="02020603050405020304" pitchFamily="18" charset="0"/>
+                <a:cs typeface="Times New Roman" panose="02020603050405020304" pitchFamily="18" charset="0"/>
+              </a:rPr>
+              <a:t>	using </a:t>
+            </a:r>
+            <a:r>
+              <a:rPr lang="en-US" sz="4000" dirty="0" smtClean="0">
+                <a:latin typeface="Times New Roman" panose="02020603050405020304" pitchFamily="18" charset="0"/>
+                <a:cs typeface="Times New Roman" panose="02020603050405020304" pitchFamily="18" charset="0"/>
+              </a:rPr>
+              <a:t>the facility of </a:t>
+            </a:r>
+            <a:r>
+              <a:rPr lang="en-US" sz="4000" dirty="0" smtClean="0">
+                <a:latin typeface="Times New Roman" panose="02020603050405020304" pitchFamily="18" charset="0"/>
+                <a:cs typeface="Times New Roman" panose="02020603050405020304" pitchFamily="18" charset="0"/>
+              </a:rPr>
+              <a:t>	debiting </a:t>
+            </a:r>
+            <a:r>
+              <a:rPr lang="en-US" sz="4000" dirty="0" smtClean="0">
+                <a:latin typeface="Times New Roman" panose="02020603050405020304" pitchFamily="18" charset="0"/>
+                <a:cs typeface="Times New Roman" panose="02020603050405020304" pitchFamily="18" charset="0"/>
+              </a:rPr>
+              <a:t>and crediting </a:t>
+            </a:r>
+            <a:r>
+              <a:rPr lang="en-US" sz="4000" dirty="0" smtClean="0">
+                <a:latin typeface="Times New Roman" panose="02020603050405020304" pitchFamily="18" charset="0"/>
+                <a:cs typeface="Times New Roman" panose="02020603050405020304" pitchFamily="18" charset="0"/>
+              </a:rPr>
+              <a:t>	with </a:t>
+            </a:r>
+            <a:r>
+              <a:rPr lang="en-US" sz="4000" dirty="0" smtClean="0">
+                <a:latin typeface="Times New Roman" panose="02020603050405020304" pitchFamily="18" charset="0"/>
+                <a:cs typeface="Times New Roman" panose="02020603050405020304" pitchFamily="18" charset="0"/>
+              </a:rPr>
+              <a:t>the help of login Id’s and </a:t>
+            </a:r>
+            <a:r>
+              <a:rPr lang="en-US" sz="4000" dirty="0" smtClean="0">
+                <a:latin typeface="Times New Roman" panose="02020603050405020304" pitchFamily="18" charset="0"/>
+                <a:cs typeface="Times New Roman" panose="02020603050405020304" pitchFamily="18" charset="0"/>
+              </a:rPr>
+              <a:t>	passwords</a:t>
+            </a:r>
+            <a:r>
+              <a:rPr lang="en-US" sz="4000" dirty="0" smtClean="0">
+                <a:latin typeface="Times New Roman" panose="02020603050405020304" pitchFamily="18" charset="0"/>
+                <a:cs typeface="Times New Roman" panose="02020603050405020304" pitchFamily="18" charset="0"/>
+              </a:rPr>
+              <a:t>. </a:t>
+            </a:r>
+          </a:p>
+        </p:txBody>
+      </p:sp>
+      <p:sp>
+        <p:nvSpPr>
+          <p:cNvPr id="6" name="object 6"/>
+          <p:cNvSpPr/>
+          <p:nvPr/>
+        </p:nvSpPr>
+        <p:spPr>
+          <a:xfrm>
+            <a:off x="10944225" y="19050"/>
+            <a:ext cx="1143000" cy="1047750"/>
+          </a:xfrm>
+          <a:prstGeom prst="rect">
+            <a:avLst/>
+          </a:prstGeom>
+          <a:blipFill>
+            <a:blip r:embed="rId2" cstate="print"/>
+            <a:stretch>
+              <a:fillRect/>
+            </a:stretch>
+          </a:blipFill>
+        </p:spPr>
+        <p:txBody>
+          <a:bodyPr wrap="square" lIns="0" tIns="0" rIns="0" bIns="0" rtlCol="0"/>
+          <a:lstStyle/>
+          <a:p>
+            <a:endParaRPr/>
           </a:p>
         </p:txBody>
       </p:sp>
@@ -6746,6 +6901,2954 @@
       </p:par>
     </p:tnLst>
   </p:timing>
+</p:sld>
+</file>
+
+<file path=ppt/slides/slide4.xml><?xml version="1.0" encoding="utf-8"?>
+<p:sld xmlns:a="http://schemas.openxmlformats.org/drawingml/2006/main" xmlns:r="http://schemas.openxmlformats.org/officeDocument/2006/relationships" xmlns:p="http://schemas.openxmlformats.org/presentationml/2006/main">
+  <p:cSld>
+    <p:spTree>
+      <p:nvGrpSpPr>
+        <p:cNvPr id="1" name=""/>
+        <p:cNvGrpSpPr/>
+        <p:nvPr/>
+      </p:nvGrpSpPr>
+      <p:grpSpPr>
+        <a:xfrm>
+          <a:off x="0" y="0"/>
+          <a:ext cx="0" cy="0"/>
+          <a:chOff x="0" y="0"/>
+          <a:chExt cx="0" cy="0"/>
+        </a:xfrm>
+      </p:grpSpPr>
+      <p:sp>
+        <p:nvSpPr>
+          <p:cNvPr id="4" name="TextBox 3"/>
+          <p:cNvSpPr txBox="1"/>
+          <p:nvPr/>
+        </p:nvSpPr>
+        <p:spPr>
+          <a:xfrm>
+            <a:off x="84124" y="223770"/>
+            <a:ext cx="12192000" cy="6858000"/>
+          </a:xfrm>
+          <a:prstGeom prst="rect">
+            <a:avLst/>
+          </a:prstGeom>
+          <a:noFill/>
+        </p:spPr>
+        <p:txBody>
+          <a:bodyPr wrap="square" rtlCol="0">
+            <a:spAutoFit/>
+          </a:bodyPr>
+          <a:lstStyle/>
+          <a:p>
+            <a:endParaRPr lang="en-US" dirty="0"/>
+          </a:p>
+        </p:txBody>
+      </p:sp>
+      <p:sp>
+        <p:nvSpPr>
+          <p:cNvPr id="2" name="TextBox 1"/>
+          <p:cNvSpPr txBox="1"/>
+          <p:nvPr/>
+        </p:nvSpPr>
+        <p:spPr>
+          <a:xfrm>
+            <a:off x="0" y="0"/>
+            <a:ext cx="12192000" cy="1015663"/>
+          </a:xfrm>
+          <a:prstGeom prst="rect">
+            <a:avLst/>
+          </a:prstGeom>
+          <a:noFill/>
+        </p:spPr>
+        <p:txBody>
+          <a:bodyPr wrap="square" rtlCol="0">
+            <a:spAutoFit/>
+          </a:bodyPr>
+          <a:lstStyle/>
+          <a:p>
+            <a:r>
+              <a:rPr lang="en-US" sz="6000" dirty="0" smtClean="0">
+                <a:latin typeface="Aharoni" panose="02010803020104030203" pitchFamily="2" charset="-79"/>
+                <a:cs typeface="Aharoni" panose="02010803020104030203" pitchFamily="2" charset="-79"/>
+              </a:rPr>
+              <a:t>	Tools used</a:t>
+            </a:r>
+          </a:p>
+        </p:txBody>
+      </p:sp>
+      <p:pic>
+        <p:nvPicPr>
+          <p:cNvPr id="3" name="Picture 2"/>
+          <p:cNvPicPr>
+            <a:picLocks noChangeAspect="1"/>
+          </p:cNvPicPr>
+          <p:nvPr/>
+        </p:nvPicPr>
+        <p:blipFill>
+          <a:blip r:embed="rId2" cstate="print">
+            <a:extLst>
+              <a:ext uri="{28A0092B-C50C-407E-A947-70E740481C1C}">
+                <a14:useLocalDpi xmlns:a14="http://schemas.microsoft.com/office/drawing/2010/main" val="0"/>
+              </a:ext>
+            </a:extLst>
+          </a:blip>
+          <a:stretch>
+            <a:fillRect/>
+          </a:stretch>
+        </p:blipFill>
+        <p:spPr>
+          <a:xfrm>
+            <a:off x="2876050" y="2626438"/>
+            <a:ext cx="1500546" cy="1304284"/>
+          </a:xfrm>
+          <a:prstGeom prst="rect">
+            <a:avLst/>
+          </a:prstGeom>
+        </p:spPr>
+      </p:pic>
+      <p:pic>
+        <p:nvPicPr>
+          <p:cNvPr id="5" name="Picture 4"/>
+          <p:cNvPicPr>
+            <a:picLocks noChangeAspect="1"/>
+          </p:cNvPicPr>
+          <p:nvPr/>
+        </p:nvPicPr>
+        <p:blipFill>
+          <a:blip r:embed="rId3" cstate="print">
+            <a:extLst>
+              <a:ext uri="{28A0092B-C50C-407E-A947-70E740481C1C}">
+                <a14:useLocalDpi xmlns:a14="http://schemas.microsoft.com/office/drawing/2010/main" val="0"/>
+              </a:ext>
+            </a:extLst>
+          </a:blip>
+          <a:stretch>
+            <a:fillRect/>
+          </a:stretch>
+        </p:blipFill>
+        <p:spPr>
+          <a:xfrm>
+            <a:off x="5429209" y="5351090"/>
+            <a:ext cx="1333580" cy="1206298"/>
+          </a:xfrm>
+          <a:prstGeom prst="rect">
+            <a:avLst/>
+          </a:prstGeom>
+        </p:spPr>
+      </p:pic>
+      <p:pic>
+        <p:nvPicPr>
+          <p:cNvPr id="6" name="Picture 5"/>
+          <p:cNvPicPr>
+            <a:picLocks noChangeAspect="1"/>
+          </p:cNvPicPr>
+          <p:nvPr/>
+        </p:nvPicPr>
+        <p:blipFill>
+          <a:blip r:embed="rId4" cstate="print">
+            <a:extLst>
+              <a:ext uri="{28A0092B-C50C-407E-A947-70E740481C1C}">
+                <a14:useLocalDpi xmlns:a14="http://schemas.microsoft.com/office/drawing/2010/main" val="0"/>
+              </a:ext>
+            </a:extLst>
+          </a:blip>
+          <a:stretch>
+            <a:fillRect/>
+          </a:stretch>
+        </p:blipFill>
+        <p:spPr>
+          <a:xfrm>
+            <a:off x="2895990" y="1029509"/>
+            <a:ext cx="1371657" cy="1371657"/>
+          </a:xfrm>
+          <a:prstGeom prst="rect">
+            <a:avLst/>
+          </a:prstGeom>
+        </p:spPr>
+      </p:pic>
+      <p:pic>
+        <p:nvPicPr>
+          <p:cNvPr id="7" name="Picture 6"/>
+          <p:cNvPicPr>
+            <a:picLocks noChangeAspect="1"/>
+          </p:cNvPicPr>
+          <p:nvPr/>
+        </p:nvPicPr>
+        <p:blipFill>
+          <a:blip r:embed="rId5" cstate="print">
+            <a:extLst>
+              <a:ext uri="{28A0092B-C50C-407E-A947-70E740481C1C}">
+                <a14:useLocalDpi xmlns:a14="http://schemas.microsoft.com/office/drawing/2010/main" val="0"/>
+              </a:ext>
+            </a:extLst>
+          </a:blip>
+          <a:stretch>
+            <a:fillRect/>
+          </a:stretch>
+        </p:blipFill>
+        <p:spPr>
+          <a:xfrm>
+            <a:off x="4519418" y="1042549"/>
+            <a:ext cx="1380204" cy="1380204"/>
+          </a:xfrm>
+          <a:prstGeom prst="rect">
+            <a:avLst/>
+          </a:prstGeom>
+        </p:spPr>
+      </p:pic>
+      <p:pic>
+        <p:nvPicPr>
+          <p:cNvPr id="9" name="Picture 8"/>
+          <p:cNvPicPr>
+            <a:picLocks noChangeAspect="1"/>
+          </p:cNvPicPr>
+          <p:nvPr/>
+        </p:nvPicPr>
+        <p:blipFill>
+          <a:blip r:embed="rId6" cstate="print">
+            <a:extLst>
+              <a:ext uri="{28A0092B-C50C-407E-A947-70E740481C1C}">
+                <a14:useLocalDpi xmlns:a14="http://schemas.microsoft.com/office/drawing/2010/main" val="0"/>
+              </a:ext>
+            </a:extLst>
+          </a:blip>
+          <a:stretch>
+            <a:fillRect/>
+          </a:stretch>
+        </p:blipFill>
+        <p:spPr>
+          <a:xfrm>
+            <a:off x="9869291" y="3241620"/>
+            <a:ext cx="2100916" cy="1276683"/>
+          </a:xfrm>
+          <a:prstGeom prst="rect">
+            <a:avLst/>
+          </a:prstGeom>
+        </p:spPr>
+      </p:pic>
+      <p:sp>
+        <p:nvSpPr>
+          <p:cNvPr id="11" name="Rounded Rectangle 10"/>
+          <p:cNvSpPr/>
+          <p:nvPr/>
+        </p:nvSpPr>
+        <p:spPr>
+          <a:xfrm>
+            <a:off x="489396" y="1196449"/>
+            <a:ext cx="1700011" cy="965915"/>
+          </a:xfrm>
+          <a:prstGeom prst="roundRect">
+            <a:avLst/>
+          </a:prstGeom>
+        </p:spPr>
+        <p:style>
+          <a:lnRef idx="1">
+            <a:schemeClr val="accent1"/>
+          </a:lnRef>
+          <a:fillRef idx="2">
+            <a:schemeClr val="accent1"/>
+          </a:fillRef>
+          <a:effectRef idx="1">
+            <a:schemeClr val="accent1"/>
+          </a:effectRef>
+          <a:fontRef idx="minor">
+            <a:schemeClr val="dk1"/>
+          </a:fontRef>
+        </p:style>
+        <p:txBody>
+          <a:bodyPr rtlCol="0" anchor="ctr"/>
+          <a:lstStyle/>
+          <a:p>
+            <a:pPr algn="ctr"/>
+            <a:r>
+              <a:rPr lang="en-US" sz="2400" dirty="0" smtClean="0"/>
+              <a:t>FRONTEND</a:t>
+            </a:r>
+            <a:endParaRPr lang="en-US" sz="2400" dirty="0"/>
+          </a:p>
+        </p:txBody>
+      </p:sp>
+      <p:pic>
+        <p:nvPicPr>
+          <p:cNvPr id="12" name="Picture 11"/>
+          <p:cNvPicPr>
+            <a:picLocks noChangeAspect="1"/>
+          </p:cNvPicPr>
+          <p:nvPr/>
+        </p:nvPicPr>
+        <p:blipFill>
+          <a:blip r:embed="rId7" cstate="print">
+            <a:extLst>
+              <a:ext uri="{28A0092B-C50C-407E-A947-70E740481C1C}">
+                <a14:useLocalDpi xmlns:a14="http://schemas.microsoft.com/office/drawing/2010/main" val="0"/>
+              </a:ext>
+            </a:extLst>
+          </a:blip>
+          <a:stretch>
+            <a:fillRect/>
+          </a:stretch>
+        </p:blipFill>
+        <p:spPr>
+          <a:xfrm>
+            <a:off x="6234395" y="1042549"/>
+            <a:ext cx="1385955" cy="1385955"/>
+          </a:xfrm>
+          <a:prstGeom prst="rect">
+            <a:avLst/>
+          </a:prstGeom>
+        </p:spPr>
+      </p:pic>
+      <p:pic>
+        <p:nvPicPr>
+          <p:cNvPr id="13" name="Picture 12"/>
+          <p:cNvPicPr>
+            <a:picLocks noChangeAspect="1"/>
+          </p:cNvPicPr>
+          <p:nvPr/>
+        </p:nvPicPr>
+        <p:blipFill>
+          <a:blip r:embed="rId8" cstate="print">
+            <a:extLst>
+              <a:ext uri="{28A0092B-C50C-407E-A947-70E740481C1C}">
+                <a14:useLocalDpi xmlns:a14="http://schemas.microsoft.com/office/drawing/2010/main" val="0"/>
+              </a:ext>
+            </a:extLst>
+          </a:blip>
+          <a:stretch>
+            <a:fillRect/>
+          </a:stretch>
+        </p:blipFill>
+        <p:spPr>
+          <a:xfrm>
+            <a:off x="7852824" y="1051096"/>
+            <a:ext cx="1700233" cy="1371657"/>
+          </a:xfrm>
+          <a:prstGeom prst="rect">
+            <a:avLst/>
+          </a:prstGeom>
+        </p:spPr>
+      </p:pic>
+      <p:sp>
+        <p:nvSpPr>
+          <p:cNvPr id="14" name="Rounded Rectangle 13"/>
+          <p:cNvSpPr/>
+          <p:nvPr/>
+        </p:nvSpPr>
+        <p:spPr>
+          <a:xfrm>
+            <a:off x="489396" y="2654039"/>
+            <a:ext cx="1700011" cy="965915"/>
+          </a:xfrm>
+          <a:prstGeom prst="roundRect">
+            <a:avLst/>
+          </a:prstGeom>
+        </p:spPr>
+        <p:style>
+          <a:lnRef idx="1">
+            <a:schemeClr val="accent1"/>
+          </a:lnRef>
+          <a:fillRef idx="2">
+            <a:schemeClr val="accent1"/>
+          </a:fillRef>
+          <a:effectRef idx="1">
+            <a:schemeClr val="accent1"/>
+          </a:effectRef>
+          <a:fontRef idx="minor">
+            <a:schemeClr val="dk1"/>
+          </a:fontRef>
+        </p:style>
+        <p:txBody>
+          <a:bodyPr rtlCol="0" anchor="ctr"/>
+          <a:lstStyle/>
+          <a:p>
+            <a:pPr algn="ctr"/>
+            <a:r>
+              <a:rPr lang="en-US" sz="2400" dirty="0" smtClean="0"/>
+              <a:t>BACKEND</a:t>
+            </a:r>
+            <a:endParaRPr lang="en-US" sz="2400" dirty="0"/>
+          </a:p>
+        </p:txBody>
+      </p:sp>
+      <p:pic>
+        <p:nvPicPr>
+          <p:cNvPr id="15" name="Picture 14"/>
+          <p:cNvPicPr>
+            <a:picLocks noChangeAspect="1"/>
+          </p:cNvPicPr>
+          <p:nvPr/>
+        </p:nvPicPr>
+        <p:blipFill>
+          <a:blip r:embed="rId9" cstate="print">
+            <a:extLst>
+              <a:ext uri="{28A0092B-C50C-407E-A947-70E740481C1C}">
+                <a14:useLocalDpi xmlns:a14="http://schemas.microsoft.com/office/drawing/2010/main" val="0"/>
+              </a:ext>
+            </a:extLst>
+          </a:blip>
+          <a:stretch>
+            <a:fillRect/>
+          </a:stretch>
+        </p:blipFill>
+        <p:spPr>
+          <a:xfrm>
+            <a:off x="4592657" y="2632939"/>
+            <a:ext cx="1544651" cy="1297783"/>
+          </a:xfrm>
+          <a:prstGeom prst="rect">
+            <a:avLst/>
+          </a:prstGeom>
+        </p:spPr>
+      </p:pic>
+      <p:pic>
+        <p:nvPicPr>
+          <p:cNvPr id="16" name="Picture 15"/>
+          <p:cNvPicPr>
+            <a:picLocks noChangeAspect="1"/>
+          </p:cNvPicPr>
+          <p:nvPr/>
+        </p:nvPicPr>
+        <p:blipFill>
+          <a:blip r:embed="rId10">
+            <a:extLst>
+              <a:ext uri="{28A0092B-C50C-407E-A947-70E740481C1C}">
+                <a14:useLocalDpi xmlns:a14="http://schemas.microsoft.com/office/drawing/2010/main" val="0"/>
+              </a:ext>
+            </a:extLst>
+          </a:blip>
+          <a:stretch>
+            <a:fillRect/>
+          </a:stretch>
+        </p:blipFill>
+        <p:spPr>
+          <a:xfrm>
+            <a:off x="5575657" y="1829275"/>
+            <a:ext cx="2898610" cy="2898610"/>
+          </a:xfrm>
+          <a:prstGeom prst="rect">
+            <a:avLst/>
+          </a:prstGeom>
+        </p:spPr>
+      </p:pic>
+      <p:pic>
+        <p:nvPicPr>
+          <p:cNvPr id="17" name="Picture 16"/>
+          <p:cNvPicPr>
+            <a:picLocks noChangeAspect="1"/>
+          </p:cNvPicPr>
+          <p:nvPr/>
+        </p:nvPicPr>
+        <p:blipFill>
+          <a:blip r:embed="rId11">
+            <a:extLst>
+              <a:ext uri="{28A0092B-C50C-407E-A947-70E740481C1C}">
+                <a14:useLocalDpi xmlns:a14="http://schemas.microsoft.com/office/drawing/2010/main" val="0"/>
+              </a:ext>
+            </a:extLst>
+          </a:blip>
+          <a:stretch>
+            <a:fillRect/>
+          </a:stretch>
+        </p:blipFill>
+        <p:spPr>
+          <a:xfrm>
+            <a:off x="7916302" y="2626438"/>
+            <a:ext cx="1284178" cy="1315122"/>
+          </a:xfrm>
+          <a:prstGeom prst="rect">
+            <a:avLst/>
+          </a:prstGeom>
+        </p:spPr>
+      </p:pic>
+      <p:sp>
+        <p:nvSpPr>
+          <p:cNvPr id="18" name="Rounded Rectangle 17"/>
+          <p:cNvSpPr/>
+          <p:nvPr/>
+        </p:nvSpPr>
+        <p:spPr>
+          <a:xfrm>
+            <a:off x="489395" y="4111629"/>
+            <a:ext cx="1700011" cy="965915"/>
+          </a:xfrm>
+          <a:prstGeom prst="roundRect">
+            <a:avLst/>
+          </a:prstGeom>
+        </p:spPr>
+        <p:style>
+          <a:lnRef idx="1">
+            <a:schemeClr val="accent1"/>
+          </a:lnRef>
+          <a:fillRef idx="2">
+            <a:schemeClr val="accent1"/>
+          </a:fillRef>
+          <a:effectRef idx="1">
+            <a:schemeClr val="accent1"/>
+          </a:effectRef>
+          <a:fontRef idx="minor">
+            <a:schemeClr val="dk1"/>
+          </a:fontRef>
+        </p:style>
+        <p:txBody>
+          <a:bodyPr rtlCol="0" anchor="ctr"/>
+          <a:lstStyle/>
+          <a:p>
+            <a:pPr algn="ctr"/>
+            <a:r>
+              <a:rPr lang="en-US" sz="2400" dirty="0" smtClean="0"/>
+              <a:t>DEVOPS</a:t>
+            </a:r>
+            <a:endParaRPr lang="en-US" sz="2400" dirty="0"/>
+          </a:p>
+        </p:txBody>
+      </p:sp>
+      <p:pic>
+        <p:nvPicPr>
+          <p:cNvPr id="19" name="Picture 18"/>
+          <p:cNvPicPr>
+            <a:picLocks noChangeAspect="1"/>
+          </p:cNvPicPr>
+          <p:nvPr/>
+        </p:nvPicPr>
+        <p:blipFill>
+          <a:blip r:embed="rId12" cstate="print">
+            <a:extLst>
+              <a:ext uri="{28A0092B-C50C-407E-A947-70E740481C1C}">
+                <a14:useLocalDpi xmlns:a14="http://schemas.microsoft.com/office/drawing/2010/main" val="0"/>
+              </a:ext>
+            </a:extLst>
+          </a:blip>
+          <a:stretch>
+            <a:fillRect/>
+          </a:stretch>
+        </p:blipFill>
+        <p:spPr>
+          <a:xfrm>
+            <a:off x="5206814" y="4154492"/>
+            <a:ext cx="1778371" cy="1000630"/>
+          </a:xfrm>
+          <a:prstGeom prst="rect">
+            <a:avLst/>
+          </a:prstGeom>
+        </p:spPr>
+      </p:pic>
+      <p:sp>
+        <p:nvSpPr>
+          <p:cNvPr id="21" name="Rounded Rectangle 20"/>
+          <p:cNvSpPr/>
+          <p:nvPr/>
+        </p:nvSpPr>
+        <p:spPr>
+          <a:xfrm>
+            <a:off x="489395" y="5572072"/>
+            <a:ext cx="1700011" cy="965915"/>
+          </a:xfrm>
+          <a:prstGeom prst="roundRect">
+            <a:avLst/>
+          </a:prstGeom>
+        </p:spPr>
+        <p:style>
+          <a:lnRef idx="1">
+            <a:schemeClr val="accent1"/>
+          </a:lnRef>
+          <a:fillRef idx="2">
+            <a:schemeClr val="accent1"/>
+          </a:fillRef>
+          <a:effectRef idx="1">
+            <a:schemeClr val="accent1"/>
+          </a:effectRef>
+          <a:fontRef idx="minor">
+            <a:schemeClr val="dk1"/>
+          </a:fontRef>
+        </p:style>
+        <p:txBody>
+          <a:bodyPr rtlCol="0" anchor="ctr"/>
+          <a:lstStyle/>
+          <a:p>
+            <a:pPr algn="ctr"/>
+            <a:r>
+              <a:rPr lang="en-US" sz="2400" dirty="0" smtClean="0"/>
+              <a:t>DATA</a:t>
+            </a:r>
+            <a:endParaRPr lang="en-US" sz="2400" dirty="0"/>
+          </a:p>
+        </p:txBody>
+      </p:sp>
+    </p:spTree>
+    <p:extLst>
+      <p:ext uri="{BB962C8B-B14F-4D97-AF65-F5344CB8AC3E}">
+        <p14:creationId xmlns:p14="http://schemas.microsoft.com/office/powerpoint/2010/main" val="2942408441"/>
+      </p:ext>
+    </p:extLst>
+  </p:cSld>
+  <p:clrMapOvr>
+    <a:masterClrMapping/>
+  </p:clrMapOvr>
+</p:sld>
+</file>
+
+<file path=ppt/slides/slide5.xml><?xml version="1.0" encoding="utf-8"?>
+<p:sld xmlns:a="http://schemas.openxmlformats.org/drawingml/2006/main" xmlns:r="http://schemas.openxmlformats.org/officeDocument/2006/relationships" xmlns:p="http://schemas.openxmlformats.org/presentationml/2006/main">
+  <p:cSld>
+    <p:spTree>
+      <p:nvGrpSpPr>
+        <p:cNvPr id="1" name=""/>
+        <p:cNvGrpSpPr/>
+        <p:nvPr/>
+      </p:nvGrpSpPr>
+      <p:grpSpPr>
+        <a:xfrm>
+          <a:off x="0" y="0"/>
+          <a:ext cx="0" cy="0"/>
+          <a:chOff x="0" y="0"/>
+          <a:chExt cx="0" cy="0"/>
+        </a:xfrm>
+      </p:grpSpPr>
+      <p:pic>
+        <p:nvPicPr>
+          <p:cNvPr id="4" name="Picture 3"/>
+          <p:cNvPicPr>
+            <a:picLocks noChangeAspect="1"/>
+          </p:cNvPicPr>
+          <p:nvPr/>
+        </p:nvPicPr>
+        <p:blipFill>
+          <a:blip r:embed="rId2">
+            <a:extLst>
+              <a:ext uri="{28A0092B-C50C-407E-A947-70E740481C1C}">
+                <a14:useLocalDpi xmlns:a14="http://schemas.microsoft.com/office/drawing/2010/main" val="0"/>
+              </a:ext>
+            </a:extLst>
+          </a:blip>
+          <a:stretch>
+            <a:fillRect/>
+          </a:stretch>
+        </p:blipFill>
+        <p:spPr>
+          <a:xfrm>
+            <a:off x="2181225" y="514350"/>
+            <a:ext cx="7829550" cy="5829300"/>
+          </a:xfrm>
+          <a:prstGeom prst="rect">
+            <a:avLst/>
+          </a:prstGeom>
+        </p:spPr>
+      </p:pic>
+    </p:spTree>
+    <p:extLst>
+      <p:ext uri="{BB962C8B-B14F-4D97-AF65-F5344CB8AC3E}">
+        <p14:creationId xmlns:p14="http://schemas.microsoft.com/office/powerpoint/2010/main" val="4190269525"/>
+      </p:ext>
+    </p:extLst>
+  </p:cSld>
+  <p:clrMapOvr>
+    <a:masterClrMapping/>
+  </p:clrMapOvr>
+</p:sld>
+</file>
+
+<file path=ppt/slides/slide6.xml><?xml version="1.0" encoding="utf-8"?>
+<p:sld xmlns:a="http://schemas.openxmlformats.org/drawingml/2006/main" xmlns:r="http://schemas.openxmlformats.org/officeDocument/2006/relationships" xmlns:p="http://schemas.openxmlformats.org/presentationml/2006/main">
+  <p:cSld>
+    <p:spTree>
+      <p:nvGrpSpPr>
+        <p:cNvPr id="1" name=""/>
+        <p:cNvGrpSpPr/>
+        <p:nvPr/>
+      </p:nvGrpSpPr>
+      <p:grpSpPr>
+        <a:xfrm>
+          <a:off x="0" y="0"/>
+          <a:ext cx="0" cy="0"/>
+          <a:chOff x="0" y="0"/>
+          <a:chExt cx="0" cy="0"/>
+        </a:xfrm>
+      </p:grpSpPr>
+      <p:sp>
+        <p:nvSpPr>
+          <p:cNvPr id="2" name="object 2"/>
+          <p:cNvSpPr txBox="1">
+            <a:spLocks noGrp="1"/>
+          </p:cNvSpPr>
+          <p:nvPr>
+            <p:ph type="title"/>
+          </p:nvPr>
+        </p:nvSpPr>
+        <p:spPr>
+          <a:xfrm>
+            <a:off x="-371242" y="72923"/>
+            <a:ext cx="10364451" cy="940001"/>
+          </a:xfrm>
+          <a:prstGeom prst="rect">
+            <a:avLst/>
+          </a:prstGeom>
+        </p:spPr>
+        <p:txBody>
+          <a:bodyPr vert="horz" wrap="square" lIns="0" tIns="16510" rIns="0" bIns="0" rtlCol="0">
+            <a:spAutoFit/>
+          </a:bodyPr>
+          <a:lstStyle/>
+          <a:p>
+            <a:pPr marL="41910">
+              <a:lnSpc>
+                <a:spcPct val="100000"/>
+              </a:lnSpc>
+              <a:spcBef>
+                <a:spcPts val="130"/>
+              </a:spcBef>
+            </a:pPr>
+            <a:r>
+              <a:rPr lang="en-US" sz="6000" spc="-5" dirty="0" smtClean="0">
+                <a:latin typeface="Aharoni" panose="02010803020104030203" pitchFamily="2" charset="-79"/>
+                <a:cs typeface="Aharoni" panose="02010803020104030203" pitchFamily="2" charset="-79"/>
+              </a:rPr>
+              <a:t>Our learnings</a:t>
+            </a:r>
+            <a:endParaRPr sz="6000" spc="-10" dirty="0">
+              <a:latin typeface="Aharoni" panose="02010803020104030203" pitchFamily="2" charset="-79"/>
+              <a:cs typeface="Aharoni" panose="02010803020104030203" pitchFamily="2" charset="-79"/>
+            </a:endParaRPr>
+          </a:p>
+        </p:txBody>
+      </p:sp>
+      <p:sp>
+        <p:nvSpPr>
+          <p:cNvPr id="3" name="object 3"/>
+          <p:cNvSpPr/>
+          <p:nvPr/>
+        </p:nvSpPr>
+        <p:spPr>
+          <a:xfrm>
+            <a:off x="914400" y="3876675"/>
+            <a:ext cx="1733550" cy="247650"/>
+          </a:xfrm>
+          <a:custGeom>
+            <a:avLst/>
+            <a:gdLst/>
+            <a:ahLst/>
+            <a:cxnLst/>
+            <a:rect l="l" t="t" r="r" b="b"/>
+            <a:pathLst>
+              <a:path w="1733550" h="247650">
+                <a:moveTo>
+                  <a:pt x="978662" y="139192"/>
+                </a:moveTo>
+                <a:lnTo>
+                  <a:pt x="754888" y="139192"/>
+                </a:lnTo>
+                <a:lnTo>
+                  <a:pt x="866775" y="247650"/>
+                </a:lnTo>
+                <a:lnTo>
+                  <a:pt x="978662" y="139192"/>
+                </a:lnTo>
+                <a:close/>
+              </a:path>
+              <a:path w="1733550" h="247650">
+                <a:moveTo>
+                  <a:pt x="1733550" y="0"/>
+                </a:moveTo>
+                <a:lnTo>
+                  <a:pt x="0" y="0"/>
+                </a:lnTo>
+                <a:lnTo>
+                  <a:pt x="0" y="139192"/>
+                </a:lnTo>
+                <a:lnTo>
+                  <a:pt x="1733550" y="139192"/>
+                </a:lnTo>
+                <a:lnTo>
+                  <a:pt x="1733550" y="0"/>
+                </a:lnTo>
+                <a:close/>
+              </a:path>
+            </a:pathLst>
+          </a:custGeom>
+          <a:solidFill>
+            <a:srgbClr val="4BD5AF"/>
+          </a:solidFill>
+        </p:spPr>
+        <p:txBody>
+          <a:bodyPr wrap="square" lIns="0" tIns="0" rIns="0" bIns="0" rtlCol="0"/>
+          <a:lstStyle/>
+          <a:p>
+            <a:endParaRPr/>
+          </a:p>
+        </p:txBody>
+      </p:sp>
+      <p:sp>
+        <p:nvSpPr>
+          <p:cNvPr id="4" name="object 4"/>
+          <p:cNvSpPr/>
+          <p:nvPr/>
+        </p:nvSpPr>
+        <p:spPr>
+          <a:xfrm>
+            <a:off x="2647950" y="3752850"/>
+            <a:ext cx="1724025" cy="257175"/>
+          </a:xfrm>
+          <a:custGeom>
+            <a:avLst/>
+            <a:gdLst/>
+            <a:ahLst/>
+            <a:cxnLst/>
+            <a:rect l="l" t="t" r="r" b="b"/>
+            <a:pathLst>
+              <a:path w="1724025" h="257175">
+                <a:moveTo>
+                  <a:pt x="1724025" y="112649"/>
+                </a:moveTo>
+                <a:lnTo>
+                  <a:pt x="0" y="112649"/>
+                </a:lnTo>
+                <a:lnTo>
+                  <a:pt x="0" y="257175"/>
+                </a:lnTo>
+                <a:lnTo>
+                  <a:pt x="1724025" y="257175"/>
+                </a:lnTo>
+                <a:lnTo>
+                  <a:pt x="1724025" y="112649"/>
+                </a:lnTo>
+                <a:close/>
+              </a:path>
+              <a:path w="1724025" h="257175">
+                <a:moveTo>
+                  <a:pt x="862076" y="0"/>
+                </a:moveTo>
+                <a:lnTo>
+                  <a:pt x="750697" y="112649"/>
+                </a:lnTo>
+                <a:lnTo>
+                  <a:pt x="973327" y="112649"/>
+                </a:lnTo>
+                <a:lnTo>
+                  <a:pt x="862076" y="0"/>
+                </a:lnTo>
+                <a:close/>
+              </a:path>
+            </a:pathLst>
+          </a:custGeom>
+          <a:solidFill>
+            <a:srgbClr val="97DC55"/>
+          </a:solidFill>
+        </p:spPr>
+        <p:txBody>
+          <a:bodyPr wrap="square" lIns="0" tIns="0" rIns="0" bIns="0" rtlCol="0"/>
+          <a:lstStyle/>
+          <a:p>
+            <a:endParaRPr/>
+          </a:p>
+        </p:txBody>
+      </p:sp>
+      <p:sp>
+        <p:nvSpPr>
+          <p:cNvPr id="5" name="object 5"/>
+          <p:cNvSpPr/>
+          <p:nvPr/>
+        </p:nvSpPr>
+        <p:spPr>
+          <a:xfrm>
+            <a:off x="4371975" y="3876675"/>
+            <a:ext cx="1733550" cy="247650"/>
+          </a:xfrm>
+          <a:custGeom>
+            <a:avLst/>
+            <a:gdLst/>
+            <a:ahLst/>
+            <a:cxnLst/>
+            <a:rect l="l" t="t" r="r" b="b"/>
+            <a:pathLst>
+              <a:path w="1733550" h="247650">
+                <a:moveTo>
+                  <a:pt x="978662" y="139192"/>
+                </a:moveTo>
+                <a:lnTo>
+                  <a:pt x="754888" y="139192"/>
+                </a:lnTo>
+                <a:lnTo>
+                  <a:pt x="866775" y="247650"/>
+                </a:lnTo>
+                <a:lnTo>
+                  <a:pt x="978662" y="139192"/>
+                </a:lnTo>
+                <a:close/>
+              </a:path>
+              <a:path w="1733550" h="247650">
+                <a:moveTo>
+                  <a:pt x="1733550" y="0"/>
+                </a:moveTo>
+                <a:lnTo>
+                  <a:pt x="0" y="0"/>
+                </a:lnTo>
+                <a:lnTo>
+                  <a:pt x="0" y="139192"/>
+                </a:lnTo>
+                <a:lnTo>
+                  <a:pt x="1733550" y="139192"/>
+                </a:lnTo>
+                <a:lnTo>
+                  <a:pt x="1733550" y="0"/>
+                </a:lnTo>
+                <a:close/>
+              </a:path>
+            </a:pathLst>
+          </a:custGeom>
+          <a:solidFill>
+            <a:srgbClr val="5EBDE3"/>
+          </a:solidFill>
+        </p:spPr>
+        <p:txBody>
+          <a:bodyPr wrap="square" lIns="0" tIns="0" rIns="0" bIns="0" rtlCol="0"/>
+          <a:lstStyle/>
+          <a:p>
+            <a:endParaRPr/>
+          </a:p>
+        </p:txBody>
+      </p:sp>
+      <p:sp>
+        <p:nvSpPr>
+          <p:cNvPr id="6" name="object 6"/>
+          <p:cNvSpPr/>
+          <p:nvPr/>
+        </p:nvSpPr>
+        <p:spPr>
+          <a:xfrm>
+            <a:off x="6105525" y="3752850"/>
+            <a:ext cx="1724025" cy="257175"/>
+          </a:xfrm>
+          <a:custGeom>
+            <a:avLst/>
+            <a:gdLst/>
+            <a:ahLst/>
+            <a:cxnLst/>
+            <a:rect l="l" t="t" r="r" b="b"/>
+            <a:pathLst>
+              <a:path w="1724025" h="257175">
+                <a:moveTo>
+                  <a:pt x="1724025" y="112649"/>
+                </a:moveTo>
+                <a:lnTo>
+                  <a:pt x="0" y="112649"/>
+                </a:lnTo>
+                <a:lnTo>
+                  <a:pt x="0" y="257175"/>
+                </a:lnTo>
+                <a:lnTo>
+                  <a:pt x="1724025" y="257175"/>
+                </a:lnTo>
+                <a:lnTo>
+                  <a:pt x="1724025" y="112649"/>
+                </a:lnTo>
+                <a:close/>
+              </a:path>
+              <a:path w="1724025" h="257175">
+                <a:moveTo>
+                  <a:pt x="862076" y="0"/>
+                </a:moveTo>
+                <a:lnTo>
+                  <a:pt x="750697" y="112649"/>
+                </a:lnTo>
+                <a:lnTo>
+                  <a:pt x="973327" y="112649"/>
+                </a:lnTo>
+                <a:lnTo>
+                  <a:pt x="862076" y="0"/>
+                </a:lnTo>
+                <a:close/>
+              </a:path>
+            </a:pathLst>
+          </a:custGeom>
+          <a:solidFill>
+            <a:srgbClr val="4BD5AF"/>
+          </a:solidFill>
+        </p:spPr>
+        <p:txBody>
+          <a:bodyPr wrap="square" lIns="0" tIns="0" rIns="0" bIns="0" rtlCol="0"/>
+          <a:lstStyle/>
+          <a:p>
+            <a:endParaRPr/>
+          </a:p>
+        </p:txBody>
+      </p:sp>
+      <p:sp>
+        <p:nvSpPr>
+          <p:cNvPr id="7" name="object 7"/>
+          <p:cNvSpPr/>
+          <p:nvPr/>
+        </p:nvSpPr>
+        <p:spPr>
+          <a:xfrm>
+            <a:off x="7829550" y="3876675"/>
+            <a:ext cx="1733550" cy="247650"/>
+          </a:xfrm>
+          <a:custGeom>
+            <a:avLst/>
+            <a:gdLst/>
+            <a:ahLst/>
+            <a:cxnLst/>
+            <a:rect l="l" t="t" r="r" b="b"/>
+            <a:pathLst>
+              <a:path w="1733550" h="247650">
+                <a:moveTo>
+                  <a:pt x="978661" y="139192"/>
+                </a:moveTo>
+                <a:lnTo>
+                  <a:pt x="754888" y="139192"/>
+                </a:lnTo>
+                <a:lnTo>
+                  <a:pt x="866775" y="247650"/>
+                </a:lnTo>
+                <a:lnTo>
+                  <a:pt x="978661" y="139192"/>
+                </a:lnTo>
+                <a:close/>
+              </a:path>
+              <a:path w="1733550" h="247650">
+                <a:moveTo>
+                  <a:pt x="1733550" y="0"/>
+                </a:moveTo>
+                <a:lnTo>
+                  <a:pt x="0" y="0"/>
+                </a:lnTo>
+                <a:lnTo>
+                  <a:pt x="0" y="139192"/>
+                </a:lnTo>
+                <a:lnTo>
+                  <a:pt x="1733550" y="139192"/>
+                </a:lnTo>
+                <a:lnTo>
+                  <a:pt x="1733550" y="0"/>
+                </a:lnTo>
+                <a:close/>
+              </a:path>
+            </a:pathLst>
+          </a:custGeom>
+          <a:solidFill>
+            <a:srgbClr val="97DC55"/>
+          </a:solidFill>
+        </p:spPr>
+        <p:txBody>
+          <a:bodyPr wrap="square" lIns="0" tIns="0" rIns="0" bIns="0" rtlCol="0"/>
+          <a:lstStyle/>
+          <a:p>
+            <a:endParaRPr/>
+          </a:p>
+        </p:txBody>
+      </p:sp>
+      <p:sp>
+        <p:nvSpPr>
+          <p:cNvPr id="8" name="object 8"/>
+          <p:cNvSpPr/>
+          <p:nvPr/>
+        </p:nvSpPr>
+        <p:spPr>
+          <a:xfrm>
+            <a:off x="9563100" y="3752850"/>
+            <a:ext cx="1724025" cy="257175"/>
+          </a:xfrm>
+          <a:custGeom>
+            <a:avLst/>
+            <a:gdLst/>
+            <a:ahLst/>
+            <a:cxnLst/>
+            <a:rect l="l" t="t" r="r" b="b"/>
+            <a:pathLst>
+              <a:path w="1724025" h="257175">
+                <a:moveTo>
+                  <a:pt x="1724025" y="112649"/>
+                </a:moveTo>
+                <a:lnTo>
+                  <a:pt x="0" y="112649"/>
+                </a:lnTo>
+                <a:lnTo>
+                  <a:pt x="0" y="257175"/>
+                </a:lnTo>
+                <a:lnTo>
+                  <a:pt x="1724025" y="257175"/>
+                </a:lnTo>
+                <a:lnTo>
+                  <a:pt x="1724025" y="112649"/>
+                </a:lnTo>
+                <a:close/>
+              </a:path>
+              <a:path w="1724025" h="257175">
+                <a:moveTo>
+                  <a:pt x="862076" y="0"/>
+                </a:moveTo>
+                <a:lnTo>
+                  <a:pt x="750697" y="112649"/>
+                </a:lnTo>
+                <a:lnTo>
+                  <a:pt x="973327" y="112649"/>
+                </a:lnTo>
+                <a:lnTo>
+                  <a:pt x="862076" y="0"/>
+                </a:lnTo>
+                <a:close/>
+              </a:path>
+            </a:pathLst>
+          </a:custGeom>
+          <a:solidFill>
+            <a:srgbClr val="5EBDE3"/>
+          </a:solidFill>
+        </p:spPr>
+        <p:txBody>
+          <a:bodyPr wrap="square" lIns="0" tIns="0" rIns="0" bIns="0" rtlCol="0"/>
+          <a:lstStyle/>
+          <a:p>
+            <a:endParaRPr/>
+          </a:p>
+        </p:txBody>
+      </p:sp>
+      <p:sp>
+        <p:nvSpPr>
+          <p:cNvPr id="10" name="object 10"/>
+          <p:cNvSpPr txBox="1"/>
+          <p:nvPr/>
+        </p:nvSpPr>
+        <p:spPr>
+          <a:xfrm>
+            <a:off x="914400" y="1994535"/>
+            <a:ext cx="1264920" cy="1043940"/>
+          </a:xfrm>
+          <a:prstGeom prst="rect">
+            <a:avLst/>
+          </a:prstGeom>
+        </p:spPr>
+        <p:txBody>
+          <a:bodyPr vert="horz" wrap="square" lIns="0" tIns="12700" rIns="0" bIns="0" rtlCol="0">
+            <a:spAutoFit/>
+          </a:bodyPr>
+          <a:lstStyle/>
+          <a:p>
+            <a:pPr marL="38100">
+              <a:lnSpc>
+                <a:spcPct val="100000"/>
+              </a:lnSpc>
+              <a:spcBef>
+                <a:spcPts val="100"/>
+              </a:spcBef>
+            </a:pPr>
+            <a:r>
+              <a:rPr sz="2400" b="1" spc="15" dirty="0">
+                <a:solidFill>
+                  <a:srgbClr val="585858"/>
+                </a:solidFill>
+                <a:latin typeface="Arial"/>
+                <a:cs typeface="Arial"/>
+              </a:rPr>
+              <a:t>1</a:t>
+            </a:r>
+            <a:r>
+              <a:rPr sz="2325" b="1" spc="22" baseline="26881" dirty="0">
+                <a:solidFill>
+                  <a:srgbClr val="585858"/>
+                </a:solidFill>
+                <a:latin typeface="Arial"/>
+                <a:cs typeface="Arial"/>
+              </a:rPr>
+              <a:t>st</a:t>
+            </a:r>
+            <a:r>
+              <a:rPr sz="2325" b="1" spc="277" baseline="26881" dirty="0">
+                <a:solidFill>
+                  <a:srgbClr val="585858"/>
+                </a:solidFill>
+                <a:latin typeface="Arial"/>
+                <a:cs typeface="Arial"/>
+              </a:rPr>
+              <a:t> </a:t>
+            </a:r>
+            <a:r>
+              <a:rPr sz="2400" b="1" spc="5" dirty="0">
+                <a:solidFill>
+                  <a:srgbClr val="585858"/>
+                </a:solidFill>
+                <a:latin typeface="Arial"/>
+                <a:cs typeface="Arial"/>
+              </a:rPr>
+              <a:t>week</a:t>
+            </a:r>
+            <a:endParaRPr sz="2400" dirty="0">
+              <a:latin typeface="Arial"/>
+              <a:cs typeface="Arial"/>
+            </a:endParaRPr>
+          </a:p>
+          <a:p>
+            <a:pPr marL="103505" marR="85725">
+              <a:lnSpc>
+                <a:spcPct val="100600"/>
+              </a:lnSpc>
+              <a:spcBef>
+                <a:spcPts val="60"/>
+              </a:spcBef>
+            </a:pPr>
+            <a:r>
+              <a:rPr sz="1400" dirty="0">
+                <a:solidFill>
+                  <a:srgbClr val="404040"/>
+                </a:solidFill>
+                <a:latin typeface="Arial"/>
+                <a:cs typeface="Arial"/>
+              </a:rPr>
+              <a:t>Database  </a:t>
+            </a:r>
+            <a:r>
+              <a:rPr sz="1400" spc="-5" dirty="0">
+                <a:solidFill>
+                  <a:srgbClr val="404040"/>
+                </a:solidFill>
+                <a:latin typeface="Arial"/>
+                <a:cs typeface="Arial"/>
+              </a:rPr>
+              <a:t>concepts </a:t>
+            </a:r>
+            <a:r>
+              <a:rPr sz="1400" spc="-30" dirty="0">
+                <a:solidFill>
+                  <a:srgbClr val="404040"/>
+                </a:solidFill>
+                <a:latin typeface="Arial"/>
+                <a:cs typeface="Arial"/>
+              </a:rPr>
+              <a:t>and  </a:t>
+            </a:r>
+            <a:r>
+              <a:rPr sz="1400" spc="25" dirty="0">
+                <a:solidFill>
+                  <a:srgbClr val="404040"/>
+                </a:solidFill>
+                <a:latin typeface="Arial"/>
+                <a:cs typeface="Arial"/>
+              </a:rPr>
+              <a:t>SQL</a:t>
+            </a:r>
+            <a:endParaRPr sz="1400" dirty="0">
+              <a:latin typeface="Arial"/>
+              <a:cs typeface="Arial"/>
+            </a:endParaRPr>
+          </a:p>
+        </p:txBody>
+      </p:sp>
+      <p:sp>
+        <p:nvSpPr>
+          <p:cNvPr id="11" name="object 11"/>
+          <p:cNvSpPr txBox="1"/>
+          <p:nvPr/>
+        </p:nvSpPr>
+        <p:spPr>
+          <a:xfrm>
+            <a:off x="1250791" y="4061808"/>
+            <a:ext cx="1677670" cy="1751964"/>
+          </a:xfrm>
+          <a:prstGeom prst="rect">
+            <a:avLst/>
+          </a:prstGeom>
+        </p:spPr>
+        <p:txBody>
+          <a:bodyPr vert="horz" wrap="square" lIns="0" tIns="191135" rIns="0" bIns="0" rtlCol="0">
+            <a:spAutoFit/>
+          </a:bodyPr>
+          <a:lstStyle/>
+          <a:p>
+            <a:pPr marL="114935">
+              <a:lnSpc>
+                <a:spcPct val="100000"/>
+              </a:lnSpc>
+              <a:spcBef>
+                <a:spcPts val="1505"/>
+              </a:spcBef>
+            </a:pPr>
+            <a:r>
+              <a:rPr sz="2400" b="1" spc="-15" dirty="0">
+                <a:solidFill>
+                  <a:srgbClr val="404040"/>
+                </a:solidFill>
+                <a:latin typeface="Arial"/>
+                <a:cs typeface="Arial"/>
+              </a:rPr>
+              <a:t>2nd</a:t>
+            </a:r>
+            <a:r>
+              <a:rPr sz="2400" b="1" spc="5" dirty="0">
+                <a:solidFill>
+                  <a:srgbClr val="404040"/>
+                </a:solidFill>
+                <a:latin typeface="Arial"/>
+                <a:cs typeface="Arial"/>
+              </a:rPr>
+              <a:t> week</a:t>
+            </a:r>
+            <a:endParaRPr sz="2400" dirty="0">
+              <a:latin typeface="Arial"/>
+              <a:cs typeface="Arial"/>
+            </a:endParaRPr>
+          </a:p>
+          <a:p>
+            <a:pPr marL="184150" marR="271145" indent="-172085">
+              <a:lnSpc>
+                <a:spcPct val="100600"/>
+              </a:lnSpc>
+              <a:spcBef>
+                <a:spcPts val="850"/>
+              </a:spcBef>
+              <a:buChar char="•"/>
+              <a:tabLst>
+                <a:tab pos="184785" algn="l"/>
+              </a:tabLst>
+            </a:pPr>
+            <a:r>
+              <a:rPr sz="1400" spc="25" dirty="0">
+                <a:solidFill>
+                  <a:srgbClr val="404040"/>
+                </a:solidFill>
+                <a:latin typeface="Arial"/>
+                <a:cs typeface="Arial"/>
+              </a:rPr>
+              <a:t>Object</a:t>
+            </a:r>
+            <a:r>
+              <a:rPr sz="1400" spc="-240" dirty="0">
+                <a:solidFill>
+                  <a:srgbClr val="404040"/>
+                </a:solidFill>
+                <a:latin typeface="Arial"/>
+                <a:cs typeface="Arial"/>
+              </a:rPr>
+              <a:t> </a:t>
+            </a:r>
+            <a:r>
+              <a:rPr sz="1400" spc="5" dirty="0">
+                <a:solidFill>
+                  <a:srgbClr val="404040"/>
+                </a:solidFill>
+                <a:latin typeface="Arial"/>
+                <a:cs typeface="Arial"/>
+              </a:rPr>
+              <a:t>oriented  programming  </a:t>
+            </a:r>
+            <a:r>
+              <a:rPr sz="1400" spc="20" dirty="0">
+                <a:solidFill>
+                  <a:srgbClr val="404040"/>
+                </a:solidFill>
+                <a:latin typeface="Arial"/>
+                <a:cs typeface="Arial"/>
+              </a:rPr>
+              <a:t>concepts</a:t>
+            </a:r>
+            <a:endParaRPr sz="1400" dirty="0">
+              <a:latin typeface="Arial"/>
+              <a:cs typeface="Arial"/>
+            </a:endParaRPr>
+          </a:p>
+          <a:p>
+            <a:pPr marL="184150" indent="-172085">
+              <a:lnSpc>
+                <a:spcPts val="1650"/>
+              </a:lnSpc>
+              <a:buChar char="•"/>
+              <a:tabLst>
+                <a:tab pos="184785" algn="l"/>
+              </a:tabLst>
+            </a:pPr>
+            <a:r>
+              <a:rPr sz="1400" dirty="0">
+                <a:solidFill>
+                  <a:srgbClr val="404040"/>
+                </a:solidFill>
+                <a:latin typeface="Arial"/>
+                <a:cs typeface="Arial"/>
+              </a:rPr>
+              <a:t>Data</a:t>
+            </a:r>
+            <a:r>
+              <a:rPr sz="1400" spc="-70" dirty="0">
+                <a:solidFill>
+                  <a:srgbClr val="404040"/>
+                </a:solidFill>
+                <a:latin typeface="Arial"/>
+                <a:cs typeface="Arial"/>
+              </a:rPr>
+              <a:t> </a:t>
+            </a:r>
+            <a:r>
+              <a:rPr sz="1400" dirty="0">
+                <a:solidFill>
+                  <a:srgbClr val="404040"/>
+                </a:solidFill>
+                <a:latin typeface="Arial"/>
+                <a:cs typeface="Arial"/>
+              </a:rPr>
+              <a:t>structures.</a:t>
+            </a:r>
+            <a:endParaRPr sz="1400" dirty="0">
+              <a:latin typeface="Arial"/>
+              <a:cs typeface="Arial"/>
+            </a:endParaRPr>
+          </a:p>
+          <a:p>
+            <a:pPr marL="184150" indent="-172085">
+              <a:lnSpc>
+                <a:spcPct val="100000"/>
+              </a:lnSpc>
+              <a:spcBef>
+                <a:spcPts val="45"/>
+              </a:spcBef>
+              <a:buChar char="•"/>
+              <a:tabLst>
+                <a:tab pos="184785" algn="l"/>
+              </a:tabLst>
+            </a:pPr>
+            <a:r>
+              <a:rPr sz="1400" dirty="0">
+                <a:solidFill>
+                  <a:srgbClr val="404040"/>
+                </a:solidFill>
+                <a:latin typeface="Arial"/>
+                <a:cs typeface="Arial"/>
+              </a:rPr>
+              <a:t>Java</a:t>
+            </a:r>
+            <a:r>
+              <a:rPr sz="1400" spc="-105" dirty="0">
+                <a:solidFill>
+                  <a:srgbClr val="404040"/>
+                </a:solidFill>
+                <a:latin typeface="Arial"/>
+                <a:cs typeface="Arial"/>
+              </a:rPr>
+              <a:t> </a:t>
+            </a:r>
+            <a:r>
+              <a:rPr sz="1400" spc="5" dirty="0">
+                <a:solidFill>
+                  <a:srgbClr val="404040"/>
+                </a:solidFill>
+                <a:latin typeface="Arial"/>
+                <a:cs typeface="Arial"/>
+              </a:rPr>
+              <a:t>programming</a:t>
+            </a:r>
+            <a:endParaRPr sz="1400" dirty="0">
+              <a:latin typeface="Arial"/>
+              <a:cs typeface="Arial"/>
+            </a:endParaRPr>
+          </a:p>
+        </p:txBody>
+      </p:sp>
+      <p:sp>
+        <p:nvSpPr>
+          <p:cNvPr id="14" name="object 14"/>
+          <p:cNvSpPr txBox="1"/>
+          <p:nvPr/>
+        </p:nvSpPr>
+        <p:spPr>
+          <a:xfrm>
+            <a:off x="3281268" y="1954570"/>
+            <a:ext cx="1529715" cy="1457960"/>
+          </a:xfrm>
+          <a:prstGeom prst="rect">
+            <a:avLst/>
+          </a:prstGeom>
+        </p:spPr>
+        <p:txBody>
+          <a:bodyPr vert="horz" wrap="square" lIns="0" tIns="13335" rIns="0" bIns="0" rtlCol="0">
+            <a:spAutoFit/>
+          </a:bodyPr>
+          <a:lstStyle/>
+          <a:p>
+            <a:pPr marL="123189">
+              <a:lnSpc>
+                <a:spcPts val="2855"/>
+              </a:lnSpc>
+              <a:spcBef>
+                <a:spcPts val="105"/>
+              </a:spcBef>
+            </a:pPr>
+            <a:r>
+              <a:rPr sz="2400" b="1" spc="5" dirty="0">
+                <a:solidFill>
+                  <a:srgbClr val="585858"/>
+                </a:solidFill>
+                <a:latin typeface="Arial"/>
+                <a:cs typeface="Arial"/>
+              </a:rPr>
+              <a:t>3</a:t>
+            </a:r>
+            <a:r>
+              <a:rPr sz="2325" b="1" spc="7" baseline="26881" dirty="0">
+                <a:solidFill>
+                  <a:srgbClr val="585858"/>
+                </a:solidFill>
+                <a:latin typeface="Arial"/>
+                <a:cs typeface="Arial"/>
+              </a:rPr>
+              <a:t>rd</a:t>
+            </a:r>
+            <a:r>
+              <a:rPr sz="2325" b="1" spc="345" baseline="26881" dirty="0">
+                <a:solidFill>
+                  <a:srgbClr val="585858"/>
+                </a:solidFill>
+                <a:latin typeface="Arial"/>
+                <a:cs typeface="Arial"/>
+              </a:rPr>
+              <a:t> </a:t>
+            </a:r>
+            <a:r>
+              <a:rPr sz="2400" b="1" spc="5" dirty="0">
+                <a:solidFill>
+                  <a:srgbClr val="585858"/>
+                </a:solidFill>
+                <a:latin typeface="Arial"/>
+                <a:cs typeface="Arial"/>
+              </a:rPr>
+              <a:t>week</a:t>
+            </a:r>
+            <a:endParaRPr sz="2400" dirty="0">
+              <a:latin typeface="Arial"/>
+              <a:cs typeface="Arial"/>
+            </a:endParaRPr>
+          </a:p>
+          <a:p>
+            <a:pPr marL="209550" indent="-172085">
+              <a:lnSpc>
+                <a:spcPts val="1655"/>
+              </a:lnSpc>
+              <a:buChar char="•"/>
+              <a:tabLst>
+                <a:tab pos="210185" algn="l"/>
+              </a:tabLst>
+            </a:pPr>
+            <a:r>
+              <a:rPr sz="1400" spc="20" dirty="0">
+                <a:solidFill>
+                  <a:srgbClr val="404040"/>
+                </a:solidFill>
+                <a:latin typeface="Arial"/>
+                <a:cs typeface="Arial"/>
+              </a:rPr>
+              <a:t>Project</a:t>
+            </a:r>
+            <a:r>
+              <a:rPr sz="1400" spc="-204" dirty="0">
+                <a:solidFill>
+                  <a:srgbClr val="404040"/>
+                </a:solidFill>
+                <a:latin typeface="Arial"/>
+                <a:cs typeface="Arial"/>
+              </a:rPr>
+              <a:t> </a:t>
+            </a:r>
+            <a:r>
+              <a:rPr sz="1400" spc="-10" dirty="0">
+                <a:solidFill>
+                  <a:srgbClr val="404040"/>
+                </a:solidFill>
+                <a:latin typeface="Arial"/>
+                <a:cs typeface="Arial"/>
+              </a:rPr>
+              <a:t>banking</a:t>
+            </a:r>
+            <a:endParaRPr sz="1400" dirty="0">
+              <a:latin typeface="Arial"/>
+              <a:cs typeface="Arial"/>
+            </a:endParaRPr>
+          </a:p>
+          <a:p>
+            <a:pPr marL="209550">
+              <a:lnSpc>
+                <a:spcPts val="1664"/>
+              </a:lnSpc>
+              <a:spcBef>
+                <a:spcPts val="45"/>
+              </a:spcBef>
+            </a:pPr>
+            <a:r>
+              <a:rPr sz="1400" dirty="0">
+                <a:solidFill>
+                  <a:srgbClr val="404040"/>
+                </a:solidFill>
+                <a:latin typeface="Arial"/>
+                <a:cs typeface="Arial"/>
+              </a:rPr>
+              <a:t>application.</a:t>
+            </a:r>
+            <a:endParaRPr sz="1400" dirty="0">
+              <a:latin typeface="Arial"/>
+              <a:cs typeface="Arial"/>
+            </a:endParaRPr>
+          </a:p>
+          <a:p>
+            <a:pPr marL="209550" marR="30480" indent="-172085">
+              <a:lnSpc>
+                <a:spcPts val="1650"/>
+              </a:lnSpc>
+              <a:spcBef>
+                <a:spcPts val="70"/>
+              </a:spcBef>
+              <a:buChar char="•"/>
+              <a:tabLst>
+                <a:tab pos="210185" algn="l"/>
+              </a:tabLst>
+            </a:pPr>
+            <a:r>
+              <a:rPr sz="1400" spc="30" dirty="0">
+                <a:solidFill>
+                  <a:srgbClr val="404040"/>
+                </a:solidFill>
+                <a:latin typeface="Arial"/>
+                <a:cs typeface="Arial"/>
+              </a:rPr>
+              <a:t>JDBC </a:t>
+            </a:r>
+            <a:r>
+              <a:rPr sz="1400" spc="-15" dirty="0">
+                <a:solidFill>
+                  <a:srgbClr val="404040"/>
+                </a:solidFill>
+                <a:latin typeface="Arial"/>
+                <a:cs typeface="Arial"/>
+              </a:rPr>
+              <a:t>and</a:t>
+            </a:r>
+            <a:r>
+              <a:rPr sz="1400" spc="-235" dirty="0">
+                <a:solidFill>
+                  <a:srgbClr val="404040"/>
+                </a:solidFill>
+                <a:latin typeface="Arial"/>
+                <a:cs typeface="Arial"/>
+              </a:rPr>
+              <a:t> </a:t>
+            </a:r>
+            <a:r>
+              <a:rPr sz="1400" spc="50" dirty="0">
+                <a:solidFill>
+                  <a:srgbClr val="404040"/>
+                </a:solidFill>
+                <a:latin typeface="Arial"/>
+                <a:cs typeface="Arial"/>
+              </a:rPr>
+              <a:t>WEB  </a:t>
+            </a:r>
+            <a:r>
+              <a:rPr sz="1400" spc="30" dirty="0">
+                <a:solidFill>
+                  <a:srgbClr val="404040"/>
+                </a:solidFill>
+                <a:latin typeface="Arial"/>
+                <a:cs typeface="Arial"/>
+              </a:rPr>
+              <a:t>design</a:t>
+            </a:r>
+            <a:endParaRPr sz="1400" dirty="0">
+              <a:latin typeface="Arial"/>
+              <a:cs typeface="Arial"/>
+            </a:endParaRPr>
+          </a:p>
+          <a:p>
+            <a:pPr marL="209550">
+              <a:lnSpc>
+                <a:spcPct val="100000"/>
+              </a:lnSpc>
+            </a:pPr>
+            <a:r>
+              <a:rPr sz="1400" dirty="0">
+                <a:solidFill>
+                  <a:srgbClr val="404040"/>
+                </a:solidFill>
+                <a:latin typeface="Arial"/>
+                <a:cs typeface="Arial"/>
+              </a:rPr>
+              <a:t>fundamentals</a:t>
+            </a:r>
+            <a:endParaRPr sz="1400" dirty="0">
+              <a:latin typeface="Arial"/>
+              <a:cs typeface="Arial"/>
+            </a:endParaRPr>
+          </a:p>
+        </p:txBody>
+      </p:sp>
+      <p:sp>
+        <p:nvSpPr>
+          <p:cNvPr id="16" name="object 16"/>
+          <p:cNvSpPr txBox="1"/>
+          <p:nvPr/>
+        </p:nvSpPr>
+        <p:spPr>
+          <a:xfrm>
+            <a:off x="5848269" y="1749107"/>
+            <a:ext cx="1462405" cy="1534795"/>
+          </a:xfrm>
+          <a:prstGeom prst="rect">
+            <a:avLst/>
+          </a:prstGeom>
+        </p:spPr>
+        <p:txBody>
+          <a:bodyPr vert="horz" wrap="square" lIns="0" tIns="192405" rIns="0" bIns="0" rtlCol="0">
+            <a:spAutoFit/>
+          </a:bodyPr>
+          <a:lstStyle/>
+          <a:p>
+            <a:pPr marL="116205">
+              <a:lnSpc>
+                <a:spcPct val="100000"/>
+              </a:lnSpc>
+              <a:spcBef>
+                <a:spcPts val="1515"/>
+              </a:spcBef>
+            </a:pPr>
+            <a:r>
+              <a:rPr sz="2400" b="1" spc="10" dirty="0">
+                <a:solidFill>
+                  <a:srgbClr val="585858"/>
+                </a:solidFill>
+                <a:latin typeface="Arial"/>
+                <a:cs typeface="Arial"/>
+              </a:rPr>
+              <a:t>5</a:t>
+            </a:r>
+            <a:r>
+              <a:rPr sz="2325" b="1" spc="15" baseline="26881" dirty="0">
+                <a:solidFill>
+                  <a:srgbClr val="585858"/>
+                </a:solidFill>
+                <a:latin typeface="Arial"/>
+                <a:cs typeface="Arial"/>
+              </a:rPr>
+              <a:t>th</a:t>
+            </a:r>
+            <a:r>
+              <a:rPr sz="2325" b="1" spc="337" baseline="26881" dirty="0">
+                <a:solidFill>
+                  <a:srgbClr val="585858"/>
+                </a:solidFill>
+                <a:latin typeface="Arial"/>
+                <a:cs typeface="Arial"/>
+              </a:rPr>
+              <a:t> </a:t>
+            </a:r>
+            <a:r>
+              <a:rPr sz="2400" b="1" spc="5" dirty="0">
+                <a:solidFill>
+                  <a:srgbClr val="585858"/>
+                </a:solidFill>
+                <a:latin typeface="Arial"/>
+                <a:cs typeface="Arial"/>
+              </a:rPr>
+              <a:t>week</a:t>
+            </a:r>
+            <a:endParaRPr sz="2400" dirty="0">
+              <a:latin typeface="Arial"/>
+              <a:cs typeface="Arial"/>
+            </a:endParaRPr>
+          </a:p>
+          <a:p>
+            <a:pPr marL="209550" indent="-171450">
+              <a:lnSpc>
+                <a:spcPct val="100000"/>
+              </a:lnSpc>
+              <a:spcBef>
+                <a:spcPts val="870"/>
+              </a:spcBef>
+              <a:buChar char="•"/>
+              <a:tabLst>
+                <a:tab pos="209550" algn="l"/>
+              </a:tabLst>
+            </a:pPr>
+            <a:r>
+              <a:rPr sz="1400" dirty="0">
+                <a:solidFill>
+                  <a:srgbClr val="404040"/>
+                </a:solidFill>
+                <a:latin typeface="Arial"/>
+                <a:cs typeface="Arial"/>
+              </a:rPr>
+              <a:t>Java</a:t>
+            </a:r>
+            <a:r>
+              <a:rPr sz="1400" spc="-65" dirty="0">
+                <a:solidFill>
+                  <a:srgbClr val="404040"/>
+                </a:solidFill>
+                <a:latin typeface="Arial"/>
+                <a:cs typeface="Arial"/>
+              </a:rPr>
+              <a:t> </a:t>
+            </a:r>
+            <a:r>
+              <a:rPr sz="1400" spc="15" dirty="0">
+                <a:solidFill>
+                  <a:srgbClr val="404040"/>
+                </a:solidFill>
+                <a:latin typeface="Arial"/>
+                <a:cs typeface="Arial"/>
+              </a:rPr>
+              <a:t>script</a:t>
+            </a:r>
+            <a:endParaRPr sz="1400" dirty="0">
+              <a:latin typeface="Arial"/>
+              <a:cs typeface="Arial"/>
+            </a:endParaRPr>
+          </a:p>
+          <a:p>
+            <a:pPr marL="209550" indent="-171450">
+              <a:lnSpc>
+                <a:spcPts val="1664"/>
+              </a:lnSpc>
+              <a:spcBef>
+                <a:spcPts val="45"/>
+              </a:spcBef>
+              <a:buChar char="•"/>
+              <a:tabLst>
+                <a:tab pos="209550" algn="l"/>
+              </a:tabLst>
+            </a:pPr>
+            <a:r>
+              <a:rPr sz="1400" spc="25" dirty="0">
+                <a:solidFill>
+                  <a:srgbClr val="404040"/>
+                </a:solidFill>
+                <a:latin typeface="Arial"/>
+                <a:cs typeface="Arial"/>
+              </a:rPr>
+              <a:t>ES5,ES6</a:t>
+            </a:r>
+            <a:endParaRPr sz="1400" dirty="0">
+              <a:latin typeface="Arial"/>
+              <a:cs typeface="Arial"/>
+            </a:endParaRPr>
+          </a:p>
+          <a:p>
+            <a:pPr marL="209550" indent="-171450">
+              <a:lnSpc>
+                <a:spcPts val="1650"/>
+              </a:lnSpc>
+              <a:buChar char="•"/>
+              <a:tabLst>
+                <a:tab pos="209550" algn="l"/>
+              </a:tabLst>
+            </a:pPr>
+            <a:r>
+              <a:rPr sz="1400" spc="-5" dirty="0">
+                <a:solidFill>
+                  <a:srgbClr val="404040"/>
+                </a:solidFill>
+                <a:latin typeface="Arial"/>
+                <a:cs typeface="Arial"/>
+              </a:rPr>
+              <a:t>Angular7</a:t>
+            </a:r>
+            <a:endParaRPr sz="1400" dirty="0">
+              <a:latin typeface="Arial"/>
+              <a:cs typeface="Arial"/>
+            </a:endParaRPr>
+          </a:p>
+          <a:p>
+            <a:pPr marL="209550" indent="-171450">
+              <a:lnSpc>
+                <a:spcPts val="1664"/>
+              </a:lnSpc>
+              <a:buChar char="•"/>
+              <a:tabLst>
+                <a:tab pos="209550" algn="l"/>
+              </a:tabLst>
+            </a:pPr>
+            <a:r>
+              <a:rPr sz="1400" spc="-25" dirty="0">
+                <a:solidFill>
+                  <a:srgbClr val="404040"/>
+                </a:solidFill>
+                <a:latin typeface="Arial"/>
+                <a:cs typeface="Arial"/>
+              </a:rPr>
+              <a:t>UML</a:t>
+            </a:r>
+            <a:r>
+              <a:rPr sz="1400" spc="-15" dirty="0">
+                <a:solidFill>
+                  <a:srgbClr val="404040"/>
+                </a:solidFill>
+                <a:latin typeface="Arial"/>
+                <a:cs typeface="Arial"/>
+              </a:rPr>
+              <a:t> </a:t>
+            </a:r>
+            <a:r>
+              <a:rPr sz="1400" spc="5" dirty="0">
+                <a:solidFill>
+                  <a:srgbClr val="404040"/>
+                </a:solidFill>
+                <a:latin typeface="Arial"/>
+                <a:cs typeface="Arial"/>
+              </a:rPr>
+              <a:t>diagrams.</a:t>
+            </a:r>
+            <a:endParaRPr sz="1400" dirty="0">
+              <a:latin typeface="Arial"/>
+              <a:cs typeface="Arial"/>
+            </a:endParaRPr>
+          </a:p>
+        </p:txBody>
+      </p:sp>
+      <p:sp>
+        <p:nvSpPr>
+          <p:cNvPr id="17" name="object 17"/>
+          <p:cNvSpPr txBox="1"/>
+          <p:nvPr/>
+        </p:nvSpPr>
+        <p:spPr>
+          <a:xfrm>
+            <a:off x="4046125" y="4133850"/>
+            <a:ext cx="1275080" cy="1396365"/>
+          </a:xfrm>
+          <a:prstGeom prst="rect">
+            <a:avLst/>
+          </a:prstGeom>
+        </p:spPr>
+        <p:txBody>
+          <a:bodyPr vert="horz" wrap="square" lIns="0" tIns="105410" rIns="0" bIns="0" rtlCol="0">
+            <a:spAutoFit/>
+          </a:bodyPr>
+          <a:lstStyle/>
+          <a:p>
+            <a:pPr marL="38100">
+              <a:lnSpc>
+                <a:spcPct val="100000"/>
+              </a:lnSpc>
+              <a:spcBef>
+                <a:spcPts val="830"/>
+              </a:spcBef>
+            </a:pPr>
+            <a:r>
+              <a:rPr sz="2400" b="1" spc="10" dirty="0">
+                <a:solidFill>
+                  <a:srgbClr val="585858"/>
+                </a:solidFill>
+                <a:latin typeface="Arial"/>
+                <a:cs typeface="Arial"/>
+              </a:rPr>
+              <a:t>4</a:t>
+            </a:r>
+            <a:r>
+              <a:rPr sz="2325" b="1" spc="15" baseline="26881" dirty="0">
+                <a:solidFill>
+                  <a:srgbClr val="585858"/>
+                </a:solidFill>
+                <a:latin typeface="Arial"/>
+                <a:cs typeface="Arial"/>
+              </a:rPr>
+              <a:t>th</a:t>
+            </a:r>
+            <a:r>
+              <a:rPr sz="2325" b="1" spc="284" baseline="26881" dirty="0">
+                <a:solidFill>
+                  <a:srgbClr val="585858"/>
+                </a:solidFill>
+                <a:latin typeface="Arial"/>
+                <a:cs typeface="Arial"/>
+              </a:rPr>
+              <a:t> </a:t>
+            </a:r>
+            <a:r>
+              <a:rPr sz="2400" b="1" spc="5" dirty="0">
+                <a:solidFill>
+                  <a:srgbClr val="585858"/>
+                </a:solidFill>
+                <a:latin typeface="Arial"/>
+                <a:cs typeface="Arial"/>
+              </a:rPr>
+              <a:t>week</a:t>
+            </a:r>
+            <a:endParaRPr sz="2400" dirty="0">
+              <a:latin typeface="Arial"/>
+              <a:cs typeface="Arial"/>
+            </a:endParaRPr>
+          </a:p>
+          <a:p>
+            <a:pPr marL="240665" indent="-172085">
+              <a:lnSpc>
+                <a:spcPct val="100000"/>
+              </a:lnSpc>
+              <a:spcBef>
+                <a:spcPts val="464"/>
+              </a:spcBef>
+              <a:buChar char="•"/>
+              <a:tabLst>
+                <a:tab pos="241300" algn="l"/>
+              </a:tabLst>
+            </a:pPr>
+            <a:r>
+              <a:rPr sz="1400" spc="-10" dirty="0">
+                <a:solidFill>
+                  <a:srgbClr val="404040"/>
+                </a:solidFill>
+                <a:latin typeface="Arial"/>
+                <a:cs typeface="Arial"/>
+              </a:rPr>
+              <a:t>HTML</a:t>
+            </a:r>
+            <a:endParaRPr sz="1400" dirty="0">
+              <a:latin typeface="Arial"/>
+              <a:cs typeface="Arial"/>
+            </a:endParaRPr>
+          </a:p>
+          <a:p>
+            <a:pPr marL="240665" indent="-172085">
+              <a:lnSpc>
+                <a:spcPts val="1664"/>
+              </a:lnSpc>
+              <a:spcBef>
+                <a:spcPts val="45"/>
+              </a:spcBef>
+              <a:buChar char="•"/>
+              <a:tabLst>
+                <a:tab pos="241300" algn="l"/>
+              </a:tabLst>
+            </a:pPr>
+            <a:r>
+              <a:rPr sz="1400" spc="30" dirty="0">
+                <a:solidFill>
+                  <a:srgbClr val="404040"/>
+                </a:solidFill>
+                <a:latin typeface="Arial"/>
+                <a:cs typeface="Arial"/>
+              </a:rPr>
+              <a:t>CSS</a:t>
+            </a:r>
+            <a:endParaRPr sz="1400" dirty="0">
+              <a:latin typeface="Arial"/>
+              <a:cs typeface="Arial"/>
+            </a:endParaRPr>
+          </a:p>
+          <a:p>
+            <a:pPr marL="240665" indent="-172085">
+              <a:lnSpc>
+                <a:spcPts val="1650"/>
+              </a:lnSpc>
+              <a:buChar char="•"/>
+              <a:tabLst>
+                <a:tab pos="241300" algn="l"/>
+              </a:tabLst>
+            </a:pPr>
+            <a:r>
+              <a:rPr sz="1400" spc="10" dirty="0">
+                <a:solidFill>
+                  <a:srgbClr val="404040"/>
+                </a:solidFill>
+                <a:latin typeface="Arial"/>
+                <a:cs typeface="Arial"/>
+              </a:rPr>
+              <a:t>Bootstrap</a:t>
+            </a:r>
+            <a:endParaRPr sz="1400" dirty="0">
+              <a:latin typeface="Arial"/>
+              <a:cs typeface="Arial"/>
+            </a:endParaRPr>
+          </a:p>
+          <a:p>
+            <a:pPr marL="240665" indent="-172085">
+              <a:lnSpc>
+                <a:spcPts val="1664"/>
+              </a:lnSpc>
+              <a:buChar char="•"/>
+              <a:tabLst>
+                <a:tab pos="241300" algn="l"/>
+              </a:tabLst>
+            </a:pPr>
+            <a:r>
+              <a:rPr sz="1400" spc="30" dirty="0">
+                <a:solidFill>
+                  <a:srgbClr val="404040"/>
+                </a:solidFill>
+                <a:latin typeface="Arial"/>
+                <a:cs typeface="Arial"/>
+              </a:rPr>
+              <a:t>AJAX</a:t>
+            </a:r>
+            <a:endParaRPr sz="1400" dirty="0">
+              <a:latin typeface="Arial"/>
+              <a:cs typeface="Arial"/>
+            </a:endParaRPr>
+          </a:p>
+        </p:txBody>
+      </p:sp>
+      <p:sp>
+        <p:nvSpPr>
+          <p:cNvPr id="26" name="object 26"/>
+          <p:cNvSpPr txBox="1"/>
+          <p:nvPr/>
+        </p:nvSpPr>
+        <p:spPr>
+          <a:xfrm>
+            <a:off x="6256557" y="4283138"/>
+            <a:ext cx="1576070" cy="1384935"/>
+          </a:xfrm>
+          <a:prstGeom prst="rect">
+            <a:avLst/>
+          </a:prstGeom>
+        </p:spPr>
+        <p:txBody>
+          <a:bodyPr vert="horz" wrap="square" lIns="0" tIns="12700" rIns="0" bIns="0" rtlCol="0">
+            <a:spAutoFit/>
+          </a:bodyPr>
+          <a:lstStyle/>
+          <a:p>
+            <a:pPr marL="158750">
+              <a:lnSpc>
+                <a:spcPct val="100000"/>
+              </a:lnSpc>
+              <a:spcBef>
+                <a:spcPts val="100"/>
+              </a:spcBef>
+            </a:pPr>
+            <a:r>
+              <a:rPr sz="2400" b="1" spc="10" dirty="0">
+                <a:solidFill>
+                  <a:srgbClr val="585858"/>
+                </a:solidFill>
+                <a:latin typeface="Arial"/>
+                <a:cs typeface="Arial"/>
+              </a:rPr>
+              <a:t>6</a:t>
+            </a:r>
+            <a:r>
+              <a:rPr sz="2325" b="1" spc="15" baseline="26881" dirty="0">
+                <a:solidFill>
+                  <a:srgbClr val="585858"/>
+                </a:solidFill>
+                <a:latin typeface="Arial"/>
+                <a:cs typeface="Arial"/>
+              </a:rPr>
+              <a:t>th</a:t>
+            </a:r>
+            <a:r>
+              <a:rPr sz="2325" b="1" spc="7" baseline="26881" dirty="0">
+                <a:solidFill>
+                  <a:srgbClr val="585858"/>
+                </a:solidFill>
+                <a:latin typeface="Arial"/>
+                <a:cs typeface="Arial"/>
+              </a:rPr>
+              <a:t> </a:t>
+            </a:r>
+            <a:r>
+              <a:rPr sz="2400" b="1" spc="5" dirty="0">
+                <a:solidFill>
+                  <a:srgbClr val="585858"/>
+                </a:solidFill>
+                <a:latin typeface="Arial"/>
+                <a:cs typeface="Arial"/>
+              </a:rPr>
+              <a:t>week</a:t>
+            </a:r>
+            <a:endParaRPr sz="2400" dirty="0">
+              <a:latin typeface="Arial"/>
+              <a:cs typeface="Arial"/>
+            </a:endParaRPr>
+          </a:p>
+          <a:p>
+            <a:pPr marL="209550" marR="77470" indent="-171450">
+              <a:lnSpc>
+                <a:spcPct val="100600"/>
+              </a:lnSpc>
+              <a:spcBef>
+                <a:spcPts val="1090"/>
+              </a:spcBef>
+              <a:buChar char="•"/>
+              <a:tabLst>
+                <a:tab pos="209550" algn="l"/>
+              </a:tabLst>
+            </a:pPr>
+            <a:r>
+              <a:rPr sz="1400" dirty="0">
+                <a:solidFill>
+                  <a:srgbClr val="404040"/>
+                </a:solidFill>
+                <a:latin typeface="Arial"/>
+                <a:cs typeface="Arial"/>
+              </a:rPr>
+              <a:t>Architecture</a:t>
+            </a:r>
+            <a:r>
+              <a:rPr sz="1400" spc="-190" dirty="0">
+                <a:solidFill>
+                  <a:srgbClr val="404040"/>
+                </a:solidFill>
+                <a:latin typeface="Arial"/>
+                <a:cs typeface="Arial"/>
+              </a:rPr>
+              <a:t> </a:t>
+            </a:r>
+            <a:r>
+              <a:rPr sz="1400" spc="-15" dirty="0">
+                <a:solidFill>
+                  <a:srgbClr val="404040"/>
+                </a:solidFill>
+                <a:latin typeface="Arial"/>
+                <a:cs typeface="Arial"/>
+              </a:rPr>
+              <a:t>and  </a:t>
+            </a:r>
+            <a:r>
+              <a:rPr sz="1400" spc="5" dirty="0">
+                <a:solidFill>
+                  <a:srgbClr val="404040"/>
+                </a:solidFill>
+                <a:latin typeface="Arial"/>
+                <a:cs typeface="Arial"/>
+              </a:rPr>
+              <a:t>framework </a:t>
+            </a:r>
+            <a:r>
+              <a:rPr sz="1400" spc="25" dirty="0">
+                <a:solidFill>
+                  <a:srgbClr val="404040"/>
+                </a:solidFill>
+                <a:latin typeface="Arial"/>
+                <a:cs typeface="Arial"/>
+              </a:rPr>
+              <a:t>of  </a:t>
+            </a:r>
+            <a:r>
+              <a:rPr sz="1400" spc="-15" dirty="0">
+                <a:solidFill>
+                  <a:srgbClr val="404040"/>
+                </a:solidFill>
+                <a:latin typeface="Arial"/>
+                <a:cs typeface="Arial"/>
+              </a:rPr>
+              <a:t>angular</a:t>
+            </a:r>
+            <a:endParaRPr sz="1400" dirty="0">
+              <a:latin typeface="Arial"/>
+              <a:cs typeface="Arial"/>
+            </a:endParaRPr>
+          </a:p>
+          <a:p>
+            <a:pPr marL="209550" indent="-171450">
+              <a:lnSpc>
+                <a:spcPts val="1650"/>
+              </a:lnSpc>
+              <a:buChar char="•"/>
+              <a:tabLst>
+                <a:tab pos="209550" algn="l"/>
+              </a:tabLst>
+            </a:pPr>
+            <a:r>
+              <a:rPr sz="1400" spc="30" dirty="0">
+                <a:solidFill>
+                  <a:srgbClr val="404040"/>
+                </a:solidFill>
+                <a:latin typeface="Arial"/>
+                <a:cs typeface="Arial"/>
+              </a:rPr>
+              <a:t>JEE</a:t>
+            </a:r>
+            <a:r>
+              <a:rPr sz="1400" spc="-170" dirty="0">
+                <a:solidFill>
+                  <a:srgbClr val="404040"/>
+                </a:solidFill>
+                <a:latin typeface="Arial"/>
+                <a:cs typeface="Arial"/>
+              </a:rPr>
+              <a:t> </a:t>
+            </a:r>
+            <a:r>
+              <a:rPr sz="1400" dirty="0">
+                <a:solidFill>
+                  <a:srgbClr val="404040"/>
+                </a:solidFill>
+                <a:latin typeface="Arial"/>
+                <a:cs typeface="Arial"/>
+              </a:rPr>
+              <a:t>Architecture</a:t>
+            </a:r>
+            <a:endParaRPr sz="1400" dirty="0">
+              <a:latin typeface="Arial"/>
+              <a:cs typeface="Arial"/>
+            </a:endParaRPr>
+          </a:p>
+        </p:txBody>
+      </p:sp>
+      <p:sp>
+        <p:nvSpPr>
+          <p:cNvPr id="27" name="object 27"/>
+          <p:cNvSpPr txBox="1"/>
+          <p:nvPr/>
+        </p:nvSpPr>
+        <p:spPr>
+          <a:xfrm>
+            <a:off x="8541938" y="1890217"/>
+            <a:ext cx="1245870" cy="391795"/>
+          </a:xfrm>
+          <a:prstGeom prst="rect">
+            <a:avLst/>
+          </a:prstGeom>
+        </p:spPr>
+        <p:txBody>
+          <a:bodyPr vert="horz" wrap="square" lIns="0" tIns="12700" rIns="0" bIns="0" rtlCol="0">
+            <a:spAutoFit/>
+          </a:bodyPr>
+          <a:lstStyle/>
+          <a:p>
+            <a:pPr marL="38100">
+              <a:lnSpc>
+                <a:spcPct val="100000"/>
+              </a:lnSpc>
+              <a:spcBef>
+                <a:spcPts val="100"/>
+              </a:spcBef>
+            </a:pPr>
+            <a:r>
+              <a:rPr sz="2400" b="1" spc="10" dirty="0">
+                <a:solidFill>
+                  <a:srgbClr val="585858"/>
+                </a:solidFill>
+                <a:latin typeface="Arial"/>
+                <a:cs typeface="Arial"/>
+              </a:rPr>
+              <a:t>7</a:t>
+            </a:r>
+            <a:r>
+              <a:rPr sz="2325" b="1" spc="15" baseline="26881" dirty="0">
+                <a:solidFill>
+                  <a:srgbClr val="585858"/>
+                </a:solidFill>
+                <a:latin typeface="Arial"/>
+                <a:cs typeface="Arial"/>
+              </a:rPr>
+              <a:t>th</a:t>
+            </a:r>
+            <a:r>
+              <a:rPr sz="2325" b="1" spc="-30" baseline="26881" dirty="0">
+                <a:solidFill>
+                  <a:srgbClr val="585858"/>
+                </a:solidFill>
+                <a:latin typeface="Arial"/>
+                <a:cs typeface="Arial"/>
+              </a:rPr>
+              <a:t> </a:t>
+            </a:r>
+            <a:r>
+              <a:rPr sz="2400" b="1" spc="5" dirty="0">
+                <a:solidFill>
+                  <a:srgbClr val="585858"/>
+                </a:solidFill>
+                <a:latin typeface="Arial"/>
+                <a:cs typeface="Arial"/>
+              </a:rPr>
+              <a:t>week</a:t>
+            </a:r>
+            <a:endParaRPr sz="2400" dirty="0">
+              <a:latin typeface="Arial"/>
+              <a:cs typeface="Arial"/>
+            </a:endParaRPr>
+          </a:p>
+        </p:txBody>
+      </p:sp>
+      <p:sp>
+        <p:nvSpPr>
+          <p:cNvPr id="28" name="object 28"/>
+          <p:cNvSpPr txBox="1"/>
+          <p:nvPr/>
+        </p:nvSpPr>
+        <p:spPr>
+          <a:xfrm>
+            <a:off x="8565094" y="2229498"/>
+            <a:ext cx="1428115" cy="1017905"/>
+          </a:xfrm>
+          <a:prstGeom prst="rect">
+            <a:avLst/>
+          </a:prstGeom>
+        </p:spPr>
+        <p:txBody>
+          <a:bodyPr vert="horz" wrap="square" lIns="0" tIns="65405" rIns="0" bIns="0" rtlCol="0">
+            <a:spAutoFit/>
+          </a:bodyPr>
+          <a:lstStyle/>
+          <a:p>
+            <a:pPr marL="298450" indent="-286385">
+              <a:lnSpc>
+                <a:spcPct val="100000"/>
+              </a:lnSpc>
+              <a:spcBef>
+                <a:spcPts val="515"/>
+              </a:spcBef>
+              <a:buChar char="•"/>
+              <a:tabLst>
+                <a:tab pos="298450" algn="l"/>
+                <a:tab pos="299085" algn="l"/>
+              </a:tabLst>
+            </a:pPr>
+            <a:r>
+              <a:rPr sz="1400" spc="30" dirty="0">
+                <a:latin typeface="Arial"/>
+                <a:cs typeface="Arial"/>
+              </a:rPr>
+              <a:t>JSP</a:t>
+            </a:r>
+            <a:r>
+              <a:rPr sz="1400" spc="-160" dirty="0">
+                <a:latin typeface="Arial"/>
+                <a:cs typeface="Arial"/>
+              </a:rPr>
+              <a:t> </a:t>
+            </a:r>
+            <a:r>
+              <a:rPr sz="1400" spc="10" dirty="0">
+                <a:latin typeface="Arial"/>
+                <a:cs typeface="Arial"/>
+              </a:rPr>
+              <a:t>Servlet</a:t>
+            </a:r>
+            <a:endParaRPr sz="1400" dirty="0">
+              <a:latin typeface="Arial"/>
+              <a:cs typeface="Arial"/>
+            </a:endParaRPr>
+          </a:p>
+          <a:p>
+            <a:pPr marL="298450" marR="5080" indent="-286385">
+              <a:lnSpc>
+                <a:spcPts val="1500"/>
+              </a:lnSpc>
+              <a:spcBef>
+                <a:spcPts val="625"/>
+              </a:spcBef>
+              <a:buChar char="•"/>
+              <a:tabLst>
+                <a:tab pos="298450" algn="l"/>
+                <a:tab pos="299085" algn="l"/>
+              </a:tabLst>
+            </a:pPr>
+            <a:r>
+              <a:rPr sz="1400" spc="5" dirty="0">
+                <a:latin typeface="Arial"/>
+                <a:cs typeface="Arial"/>
+              </a:rPr>
+              <a:t>Spring</a:t>
+            </a:r>
+            <a:r>
+              <a:rPr sz="1400" spc="-140" dirty="0">
+                <a:latin typeface="Arial"/>
+                <a:cs typeface="Arial"/>
+              </a:rPr>
+              <a:t> </a:t>
+            </a:r>
+            <a:r>
+              <a:rPr sz="1400" spc="30" dirty="0">
+                <a:latin typeface="Arial"/>
+                <a:cs typeface="Arial"/>
+              </a:rPr>
+              <a:t>REST(  </a:t>
+            </a:r>
+            <a:r>
+              <a:rPr sz="1400" spc="15" dirty="0">
+                <a:latin typeface="Arial"/>
+                <a:cs typeface="Arial"/>
+              </a:rPr>
+              <a:t>Core &amp;</a:t>
+            </a:r>
+            <a:r>
+              <a:rPr sz="1400" spc="-195" dirty="0">
+                <a:latin typeface="Arial"/>
+                <a:cs typeface="Arial"/>
+              </a:rPr>
+              <a:t> </a:t>
+            </a:r>
+            <a:r>
+              <a:rPr sz="1400" spc="10" dirty="0">
+                <a:latin typeface="Arial"/>
+                <a:cs typeface="Arial"/>
+              </a:rPr>
+              <a:t>MVC)</a:t>
+            </a:r>
+            <a:endParaRPr sz="1400" dirty="0">
+              <a:latin typeface="Arial"/>
+              <a:cs typeface="Arial"/>
+            </a:endParaRPr>
+          </a:p>
+          <a:p>
+            <a:pPr marL="298450" indent="-286385">
+              <a:lnSpc>
+                <a:spcPct val="100000"/>
+              </a:lnSpc>
+              <a:spcBef>
+                <a:spcPts val="405"/>
+              </a:spcBef>
+              <a:buChar char="•"/>
+              <a:tabLst>
+                <a:tab pos="298450" algn="l"/>
+                <a:tab pos="299085" algn="l"/>
+              </a:tabLst>
+            </a:pPr>
+            <a:r>
+              <a:rPr sz="1400" spc="-5" dirty="0">
+                <a:latin typeface="Arial"/>
+                <a:cs typeface="Arial"/>
+              </a:rPr>
+              <a:t>myBatis</a:t>
+            </a:r>
+            <a:endParaRPr sz="1400" dirty="0">
+              <a:latin typeface="Arial"/>
+              <a:cs typeface="Arial"/>
+            </a:endParaRPr>
+          </a:p>
+        </p:txBody>
+      </p:sp>
+      <p:sp>
+        <p:nvSpPr>
+          <p:cNvPr id="29" name="object 29"/>
+          <p:cNvSpPr txBox="1"/>
+          <p:nvPr/>
+        </p:nvSpPr>
+        <p:spPr>
+          <a:xfrm>
+            <a:off x="9236861" y="4319257"/>
+            <a:ext cx="1245870" cy="392430"/>
+          </a:xfrm>
+          <a:prstGeom prst="rect">
+            <a:avLst/>
+          </a:prstGeom>
+        </p:spPr>
+        <p:txBody>
+          <a:bodyPr vert="horz" wrap="square" lIns="0" tIns="13335" rIns="0" bIns="0" rtlCol="0">
+            <a:spAutoFit/>
+          </a:bodyPr>
+          <a:lstStyle/>
+          <a:p>
+            <a:pPr marL="38100">
+              <a:lnSpc>
+                <a:spcPct val="100000"/>
+              </a:lnSpc>
+              <a:spcBef>
+                <a:spcPts val="105"/>
+              </a:spcBef>
+            </a:pPr>
+            <a:r>
+              <a:rPr sz="2400" b="1" spc="10" dirty="0">
+                <a:solidFill>
+                  <a:srgbClr val="585858"/>
+                </a:solidFill>
+                <a:latin typeface="Arial"/>
+                <a:cs typeface="Arial"/>
+              </a:rPr>
+              <a:t>8</a:t>
+            </a:r>
+            <a:r>
+              <a:rPr sz="2325" b="1" spc="15" baseline="26881" dirty="0">
+                <a:solidFill>
+                  <a:srgbClr val="585858"/>
+                </a:solidFill>
+                <a:latin typeface="Arial"/>
+                <a:cs typeface="Arial"/>
+              </a:rPr>
+              <a:t>th</a:t>
+            </a:r>
+            <a:r>
+              <a:rPr sz="2325" b="1" spc="-37" baseline="26881" dirty="0">
+                <a:solidFill>
+                  <a:srgbClr val="585858"/>
+                </a:solidFill>
+                <a:latin typeface="Arial"/>
+                <a:cs typeface="Arial"/>
+              </a:rPr>
+              <a:t> </a:t>
+            </a:r>
+            <a:r>
+              <a:rPr sz="2400" b="1" spc="5" dirty="0">
+                <a:solidFill>
+                  <a:srgbClr val="585858"/>
+                </a:solidFill>
+                <a:latin typeface="Arial"/>
+                <a:cs typeface="Arial"/>
+              </a:rPr>
+              <a:t>week</a:t>
+            </a:r>
+            <a:endParaRPr sz="2400" dirty="0">
+              <a:latin typeface="Arial"/>
+              <a:cs typeface="Arial"/>
+            </a:endParaRPr>
+          </a:p>
+        </p:txBody>
+      </p:sp>
+      <p:sp>
+        <p:nvSpPr>
+          <p:cNvPr id="32" name="object 32"/>
+          <p:cNvSpPr txBox="1"/>
+          <p:nvPr/>
+        </p:nvSpPr>
+        <p:spPr>
+          <a:xfrm>
+            <a:off x="9110898" y="4693030"/>
+            <a:ext cx="1353820" cy="1950085"/>
+          </a:xfrm>
+          <a:prstGeom prst="rect">
+            <a:avLst/>
+          </a:prstGeom>
+        </p:spPr>
+        <p:txBody>
+          <a:bodyPr vert="horz" wrap="square" lIns="0" tIns="15875" rIns="0" bIns="0" rtlCol="0">
+            <a:spAutoFit/>
+          </a:bodyPr>
+          <a:lstStyle/>
+          <a:p>
+            <a:pPr marL="298450" indent="-286385">
+              <a:lnSpc>
+                <a:spcPct val="100000"/>
+              </a:lnSpc>
+              <a:spcBef>
+                <a:spcPts val="125"/>
+              </a:spcBef>
+              <a:buChar char="•"/>
+              <a:tabLst>
+                <a:tab pos="298450" algn="l"/>
+                <a:tab pos="299085" algn="l"/>
+              </a:tabLst>
+            </a:pPr>
+            <a:r>
+              <a:rPr sz="1400" spc="10" dirty="0">
+                <a:latin typeface="Arial"/>
+                <a:cs typeface="Arial"/>
+              </a:rPr>
+              <a:t>Agile</a:t>
+            </a:r>
+            <a:endParaRPr sz="1400" dirty="0">
+              <a:latin typeface="Arial"/>
+              <a:cs typeface="Arial"/>
+            </a:endParaRPr>
+          </a:p>
+          <a:p>
+            <a:pPr marL="298450">
+              <a:lnSpc>
+                <a:spcPts val="1664"/>
+              </a:lnSpc>
+              <a:spcBef>
+                <a:spcPts val="45"/>
+              </a:spcBef>
+            </a:pPr>
+            <a:r>
+              <a:rPr sz="1400" spc="-45" dirty="0">
+                <a:latin typeface="Arial"/>
+                <a:cs typeface="Arial"/>
+              </a:rPr>
+              <a:t>M</a:t>
+            </a:r>
+            <a:r>
+              <a:rPr sz="1400" spc="45" dirty="0">
+                <a:latin typeface="Arial"/>
+                <a:cs typeface="Arial"/>
+              </a:rPr>
+              <a:t>e</a:t>
+            </a:r>
+            <a:r>
+              <a:rPr sz="1400" spc="-20" dirty="0">
+                <a:latin typeface="Arial"/>
+                <a:cs typeface="Arial"/>
+              </a:rPr>
+              <a:t>t</a:t>
+            </a:r>
+            <a:r>
+              <a:rPr sz="1400" spc="-30" dirty="0">
+                <a:latin typeface="Arial"/>
+                <a:cs typeface="Arial"/>
+              </a:rPr>
+              <a:t>h</a:t>
+            </a:r>
+            <a:r>
+              <a:rPr sz="1400" spc="45" dirty="0">
+                <a:latin typeface="Arial"/>
+                <a:cs typeface="Arial"/>
+              </a:rPr>
+              <a:t>odo</a:t>
+            </a:r>
+            <a:r>
+              <a:rPr sz="1400" spc="-15" dirty="0">
+                <a:latin typeface="Arial"/>
+                <a:cs typeface="Arial"/>
+              </a:rPr>
+              <a:t>l</a:t>
+            </a:r>
+            <a:r>
+              <a:rPr sz="1400" spc="45" dirty="0">
+                <a:latin typeface="Arial"/>
+                <a:cs typeface="Arial"/>
+              </a:rPr>
+              <a:t>og</a:t>
+            </a:r>
+            <a:r>
+              <a:rPr sz="1400" spc="10" dirty="0">
+                <a:latin typeface="Arial"/>
+                <a:cs typeface="Arial"/>
+              </a:rPr>
+              <a:t>y</a:t>
+            </a:r>
+            <a:endParaRPr sz="1400" dirty="0">
+              <a:latin typeface="Arial"/>
+              <a:cs typeface="Arial"/>
+            </a:endParaRPr>
+          </a:p>
+          <a:p>
+            <a:pPr marL="298450" indent="-286385">
+              <a:lnSpc>
+                <a:spcPts val="1650"/>
+              </a:lnSpc>
+              <a:buChar char="•"/>
+              <a:tabLst>
+                <a:tab pos="298450" algn="l"/>
+                <a:tab pos="299085" algn="l"/>
+              </a:tabLst>
+            </a:pPr>
+            <a:r>
+              <a:rPr sz="1400" spc="-10" dirty="0">
+                <a:latin typeface="Arial"/>
+                <a:cs typeface="Arial"/>
+              </a:rPr>
+              <a:t>JUnit</a:t>
+            </a:r>
+            <a:endParaRPr sz="1400" dirty="0">
+              <a:latin typeface="Arial"/>
+              <a:cs typeface="Arial"/>
+            </a:endParaRPr>
+          </a:p>
+          <a:p>
+            <a:pPr marL="298450" indent="-286385">
+              <a:lnSpc>
+                <a:spcPts val="1664"/>
+              </a:lnSpc>
+              <a:buChar char="•"/>
+              <a:tabLst>
+                <a:tab pos="298450" algn="l"/>
+                <a:tab pos="299085" algn="l"/>
+              </a:tabLst>
+            </a:pPr>
+            <a:r>
+              <a:rPr sz="1400" spc="-10" dirty="0">
+                <a:latin typeface="Arial"/>
+                <a:cs typeface="Arial"/>
+              </a:rPr>
+              <a:t>GitHub</a:t>
+            </a:r>
+            <a:endParaRPr sz="1400" dirty="0">
+              <a:latin typeface="Arial"/>
+              <a:cs typeface="Arial"/>
+            </a:endParaRPr>
+          </a:p>
+          <a:p>
+            <a:pPr marL="298450" indent="-286385">
+              <a:lnSpc>
+                <a:spcPts val="1664"/>
+              </a:lnSpc>
+              <a:spcBef>
+                <a:spcPts val="45"/>
+              </a:spcBef>
+              <a:buChar char="•"/>
+              <a:tabLst>
+                <a:tab pos="298450" algn="l"/>
+                <a:tab pos="299085" algn="l"/>
+              </a:tabLst>
+            </a:pPr>
+            <a:r>
+              <a:rPr sz="1400" spc="-10" dirty="0">
+                <a:latin typeface="Arial"/>
+                <a:cs typeface="Arial"/>
+              </a:rPr>
+              <a:t>Maven</a:t>
+            </a:r>
+            <a:endParaRPr sz="1400" dirty="0">
+              <a:latin typeface="Arial"/>
+              <a:cs typeface="Arial"/>
+            </a:endParaRPr>
+          </a:p>
+          <a:p>
+            <a:pPr marL="298450" indent="-286385">
+              <a:lnSpc>
+                <a:spcPts val="1664"/>
+              </a:lnSpc>
+              <a:buChar char="•"/>
+              <a:tabLst>
+                <a:tab pos="298450" algn="l"/>
+                <a:tab pos="299085" algn="l"/>
+              </a:tabLst>
+            </a:pPr>
+            <a:r>
+              <a:rPr sz="1400" spc="-5" dirty="0">
+                <a:latin typeface="Arial"/>
+                <a:cs typeface="Arial"/>
+              </a:rPr>
+              <a:t>Tomcat</a:t>
+            </a:r>
+            <a:endParaRPr sz="1400" dirty="0">
+              <a:latin typeface="Arial"/>
+              <a:cs typeface="Arial"/>
+            </a:endParaRPr>
+          </a:p>
+          <a:p>
+            <a:pPr marL="298450" indent="-286385">
+              <a:lnSpc>
+                <a:spcPts val="1664"/>
+              </a:lnSpc>
+              <a:spcBef>
+                <a:spcPts val="50"/>
+              </a:spcBef>
+              <a:buChar char="•"/>
+              <a:tabLst>
+                <a:tab pos="298450" algn="l"/>
+                <a:tab pos="299085" algn="l"/>
+              </a:tabLst>
+            </a:pPr>
+            <a:r>
+              <a:rPr sz="1400" dirty="0">
+                <a:latin typeface="Arial"/>
+                <a:cs typeface="Arial"/>
+              </a:rPr>
+              <a:t>Jenkins</a:t>
+            </a:r>
+          </a:p>
+          <a:p>
+            <a:pPr marL="298450" marR="118110" indent="-286385">
+              <a:lnSpc>
+                <a:spcPts val="1650"/>
+              </a:lnSpc>
+              <a:spcBef>
+                <a:spcPts val="65"/>
+              </a:spcBef>
+              <a:buChar char="•"/>
+              <a:tabLst>
+                <a:tab pos="298450" algn="l"/>
+                <a:tab pos="299085" algn="l"/>
+              </a:tabLst>
+            </a:pPr>
+            <a:r>
+              <a:rPr sz="1400" spc="20" dirty="0">
+                <a:latin typeface="Arial"/>
+                <a:cs typeface="Arial"/>
+              </a:rPr>
+              <a:t>Project  </a:t>
+            </a:r>
+            <a:r>
+              <a:rPr sz="1400" spc="30" dirty="0">
+                <a:latin typeface="Arial"/>
+                <a:cs typeface="Arial"/>
+              </a:rPr>
+              <a:t>C</a:t>
+            </a:r>
+            <a:r>
+              <a:rPr sz="1400" spc="45" dirty="0">
+                <a:latin typeface="Arial"/>
+                <a:cs typeface="Arial"/>
+              </a:rPr>
+              <a:t>o</a:t>
+            </a:r>
+            <a:r>
+              <a:rPr sz="1400" spc="30" dirty="0">
+                <a:latin typeface="Arial"/>
+                <a:cs typeface="Arial"/>
+              </a:rPr>
+              <a:t>m</a:t>
+            </a:r>
+            <a:r>
+              <a:rPr sz="1400" spc="45" dirty="0">
+                <a:latin typeface="Arial"/>
+                <a:cs typeface="Arial"/>
+              </a:rPr>
+              <a:t>p</a:t>
+            </a:r>
+            <a:r>
+              <a:rPr sz="1400" spc="-15" dirty="0">
+                <a:latin typeface="Arial"/>
+                <a:cs typeface="Arial"/>
+              </a:rPr>
+              <a:t>l</a:t>
+            </a:r>
+            <a:r>
+              <a:rPr sz="1400" spc="45" dirty="0">
+                <a:latin typeface="Arial"/>
+                <a:cs typeface="Arial"/>
+              </a:rPr>
+              <a:t>e</a:t>
+            </a:r>
+            <a:r>
+              <a:rPr sz="1400" spc="-20" dirty="0">
+                <a:latin typeface="Arial"/>
+                <a:cs typeface="Arial"/>
+              </a:rPr>
+              <a:t>t</a:t>
+            </a:r>
+            <a:r>
+              <a:rPr sz="1400" spc="-15" dirty="0">
+                <a:latin typeface="Arial"/>
+                <a:cs typeface="Arial"/>
+              </a:rPr>
+              <a:t>i</a:t>
+            </a:r>
+            <a:r>
+              <a:rPr sz="1400" spc="45" dirty="0">
+                <a:latin typeface="Arial"/>
+                <a:cs typeface="Arial"/>
+              </a:rPr>
+              <a:t>o</a:t>
+            </a:r>
+            <a:r>
+              <a:rPr sz="1400" spc="15" dirty="0">
+                <a:latin typeface="Arial"/>
+                <a:cs typeface="Arial"/>
+              </a:rPr>
+              <a:t>n</a:t>
+            </a:r>
+            <a:endParaRPr sz="1400" dirty="0">
+              <a:latin typeface="Arial"/>
+              <a:cs typeface="Arial"/>
+            </a:endParaRPr>
+          </a:p>
+        </p:txBody>
+      </p:sp>
+      <p:sp>
+        <p:nvSpPr>
+          <p:cNvPr id="33" name="object 33"/>
+          <p:cNvSpPr/>
+          <p:nvPr/>
+        </p:nvSpPr>
+        <p:spPr>
+          <a:xfrm>
+            <a:off x="10969625" y="187854"/>
+            <a:ext cx="1092200" cy="710141"/>
+          </a:xfrm>
+          <a:prstGeom prst="rect">
+            <a:avLst/>
+          </a:prstGeom>
+          <a:blipFill>
+            <a:blip r:embed="rId2" cstate="print"/>
+            <a:stretch>
+              <a:fillRect/>
+            </a:stretch>
+          </a:blipFill>
+        </p:spPr>
+        <p:txBody>
+          <a:bodyPr wrap="square" lIns="0" tIns="0" rIns="0" bIns="0" rtlCol="0"/>
+          <a:lstStyle/>
+          <a:p>
+            <a:endParaRPr/>
+          </a:p>
+        </p:txBody>
+      </p:sp>
+    </p:spTree>
+    <p:extLst>
+      <p:ext uri="{BB962C8B-B14F-4D97-AF65-F5344CB8AC3E}">
+        <p14:creationId xmlns:p14="http://schemas.microsoft.com/office/powerpoint/2010/main" val="1755795209"/>
+      </p:ext>
+    </p:extLst>
+  </p:cSld>
+  <p:clrMapOvr>
+    <a:masterClrMapping/>
+  </p:clrMapOvr>
 </p:sld>
 </file>
 
